--- a/Presentatie/Presentatie - DCF deel.pptx
+++ b/Presentatie/Presentatie - DCF deel.pptx
@@ -293,7 +293,7 @@
               <a:pPr>
                 <a:defRPr/>
               </a:pPr>
-              <a:t>1/16/2015</a:t>
+              <a:t>1/17/2015</a:t>
             </a:fld>
             <a:endParaRPr lang="en-US" altLang="nl-NL"/>
           </a:p>
@@ -5128,30 +5128,89 @@
           <a:p>
             <a:r>
               <a:rPr lang="nl-NL" dirty="0" smtClean="0"/>
-              <a:t>BCD</a:t>
-            </a:r>
-          </a:p>
-          <a:p>
+              <a:t>Gedigitaliseerd signaal</a:t>
+            </a:r>
+          </a:p>
+          <a:p>
+            <a:pPr lvl="1"/>
             <a:r>
               <a:rPr lang="nl-NL" dirty="0" smtClean="0"/>
-              <a:t>Korte &amp; lange pulsen</a:t>
-            </a:r>
-          </a:p>
-          <a:p>
+              <a:t>Korte </a:t>
+            </a:r>
             <a:r>
               <a:rPr lang="nl-NL" dirty="0" smtClean="0"/>
-              <a:t>Nieuwe minuut</a:t>
-            </a:r>
+              <a:t>&amp; lange pulsen</a:t>
+            </a:r>
+          </a:p>
+          <a:p>
+            <a:r>
+              <a:rPr lang="nl-NL" dirty="0" smtClean="0"/>
+              <a:t>Minuutmarkering</a:t>
+            </a:r>
+            <a:endParaRPr lang="nl-NL" dirty="0" smtClean="0"/>
           </a:p>
           <a:p>
             <a:r>
               <a:rPr lang="nl-NL" dirty="0" smtClean="0"/>
               <a:t>Codering</a:t>
             </a:r>
+          </a:p>
+          <a:p>
+            <a:pPr lvl="1"/>
+            <a:r>
+              <a:rPr lang="nl-NL" dirty="0" smtClean="0"/>
+              <a:t>Datum &amp; tijd</a:t>
+            </a:r>
+            <a:endParaRPr lang="nl-NL" dirty="0" smtClean="0"/>
+          </a:p>
+          <a:p>
+            <a:r>
+              <a:rPr lang="nl-NL" dirty="0" smtClean="0"/>
+              <a:t>BCD</a:t>
+            </a:r>
             <a:endParaRPr lang="nl-NL" dirty="0"/>
           </a:p>
         </p:txBody>
       </p:sp>
+      <p:pic>
+        <p:nvPicPr>
+          <p:cNvPr id="1026" name="Picture 2" descr="http://www.sjelab.nl/DCF77_project/signaal.png"/>
+          <p:cNvPicPr>
+            <a:picLocks noChangeAspect="1" noChangeArrowheads="1"/>
+          </p:cNvPicPr>
+          <p:nvPr/>
+        </p:nvPicPr>
+        <p:blipFill rotWithShape="1">
+          <a:blip r:embed="rId3">
+            <a:extLst>
+              <a:ext uri="{28A0092B-C50C-407E-A947-70E740481C1C}">
+                <a14:useLocalDpi xmlns:a14="http://schemas.microsoft.com/office/drawing/2010/main" val="0"/>
+              </a:ext>
+            </a:extLst>
+          </a:blip>
+          <a:srcRect l="8371" t="14351" r="25537" b="8884"/>
+          <a:stretch/>
+        </p:blipFill>
+        <p:spPr bwMode="auto">
+          <a:xfrm>
+            <a:off x="912813" y="4037163"/>
+            <a:ext cx="3295808" cy="1742536"/>
+          </a:xfrm>
+          <a:prstGeom prst="rect">
+            <a:avLst/>
+          </a:prstGeom>
+          <a:noFill/>
+          <a:extLst>
+            <a:ext uri="{909E8E84-426E-40DD-AFC4-6F175D3DCCD1}">
+              <a14:hiddenFill xmlns:a14="http://schemas.microsoft.com/office/drawing/2010/main">
+                <a:solidFill>
+                  <a:srgbClr val="FFFFFF"/>
+                </a:solidFill>
+              </a14:hiddenFill>
+            </a:ext>
+          </a:extLst>
+        </p:spPr>
+      </p:pic>
     </p:spTree>
   </p:cSld>
   <p:clrMapOvr>
@@ -6351,11 +6410,7 @@
             </a:r>
             <a:r>
               <a:rPr lang="nl-NL" sz="1200" dirty="0" smtClean="0"/>
-              <a:t>  (16 </a:t>
-            </a:r>
-            <a:r>
-              <a:rPr lang="nl-NL" sz="1200" dirty="0" smtClean="0"/>
-              <a:t>bits)</a:t>
+              <a:t>  (16 bits)</a:t>
             </a:r>
             <a:endParaRPr lang="nl-NL" sz="2000" dirty="0"/>
           </a:p>
@@ -6700,11 +6755,7 @@
             <a:pPr algn="l"/>
             <a:r>
               <a:rPr lang="nl-NL" sz="1200" dirty="0" smtClean="0"/>
-              <a:t>(3 </a:t>
-            </a:r>
-            <a:r>
-              <a:rPr lang="nl-NL" sz="1200" dirty="0" smtClean="0"/>
-              <a:t>bits)</a:t>
+              <a:t>(3 bits)</a:t>
             </a:r>
             <a:endParaRPr lang="nl-NL" sz="1200" dirty="0"/>
           </a:p>
@@ -7420,9 +7471,9 @@
           <p:nvPr/>
         </p:nvCxnSpPr>
         <p:spPr>
-          <a:xfrm flipV="1">
-            <a:off x="6804369" y="2707898"/>
-            <a:ext cx="1275669" cy="8750"/>
+          <a:xfrm>
+            <a:off x="7434190" y="2708282"/>
+            <a:ext cx="645848" cy="306"/>
           </a:xfrm>
           <a:prstGeom prst="straightConnector1">
             <a:avLst/>
@@ -7456,15 +7507,15 @@
         <p:nvCxnSpPr>
           <p:cNvPr id="237" name="Rechte verbindingslijn met pijl 236"/>
           <p:cNvCxnSpPr>
-            <a:stCxn id="235" idx="2"/>
+            <a:stCxn id="240" idx="4"/>
             <a:endCxn id="210" idx="0"/>
           </p:cNvCxnSpPr>
           <p:nvPr/>
         </p:nvCxnSpPr>
         <p:spPr>
           <a:xfrm>
-            <a:off x="6806959" y="2549522"/>
-            <a:ext cx="1" cy="570258"/>
+            <a:off x="6806959" y="2736410"/>
+            <a:ext cx="1" cy="383370"/>
           </a:xfrm>
           <a:prstGeom prst="straightConnector1">
             <a:avLst/>
@@ -7502,7 +7553,7 @@
         </p:nvSpPr>
         <p:spPr>
           <a:xfrm>
-            <a:off x="8080038" y="2569398"/>
+            <a:off x="8080038" y="2570088"/>
             <a:ext cx="737845" cy="276999"/>
           </a:xfrm>
           <a:prstGeom prst="rect">
@@ -7566,7 +7617,7 @@
         </p:nvSpPr>
         <p:spPr>
           <a:xfrm>
-            <a:off x="6770736" y="2686884"/>
+            <a:off x="6770736" y="2677698"/>
             <a:ext cx="72445" cy="58712"/>
           </a:xfrm>
           <a:prstGeom prst="flowChartConnector">
@@ -7750,8 +7801,8 @@
         </p:nvCxnSpPr>
         <p:spPr>
           <a:xfrm flipV="1">
-            <a:off x="3535638" y="1361784"/>
-            <a:ext cx="5590" cy="1329699"/>
+            <a:off x="3541228" y="1361784"/>
+            <a:ext cx="0" cy="328993"/>
           </a:xfrm>
           <a:prstGeom prst="straightConnector1">
             <a:avLst/>
@@ -7868,13 +7919,15 @@
       <p:cxnSp>
         <p:nvCxnSpPr>
           <p:cNvPr id="269" name="Rechte verbindingslijn 268"/>
-          <p:cNvCxnSpPr/>
+          <p:cNvCxnSpPr>
+            <a:stCxn id="266" idx="0"/>
+          </p:cNvCxnSpPr>
           <p:nvPr/>
         </p:nvCxnSpPr>
         <p:spPr>
-          <a:xfrm>
-            <a:off x="3534111" y="2742686"/>
-            <a:ext cx="2590" cy="381242"/>
+          <a:xfrm flipH="1">
+            <a:off x="3536701" y="2674547"/>
+            <a:ext cx="6351" cy="449381"/>
           </a:xfrm>
           <a:prstGeom prst="line">
             <a:avLst/>
@@ -8174,7 +8227,7 @@
         </p:nvCxnSpPr>
         <p:spPr>
           <a:xfrm>
-            <a:off x="5763967" y="2705352"/>
+            <a:off x="5762383" y="2705352"/>
             <a:ext cx="3352" cy="2219016"/>
           </a:xfrm>
           <a:prstGeom prst="line">
@@ -8626,11 +8679,7 @@
             <a:pPr algn="ctr"/>
             <a:r>
               <a:rPr lang="nl-NL" sz="1200" dirty="0" smtClean="0"/>
-              <a:t>(6 </a:t>
-            </a:r>
-            <a:r>
-              <a:rPr lang="nl-NL" sz="1200" dirty="0" smtClean="0"/>
-              <a:t>bits)</a:t>
+              <a:t>(6 bits)</a:t>
             </a:r>
             <a:endParaRPr lang="nl-NL" sz="1200" dirty="0"/>
           </a:p>
@@ -8744,11 +8793,7 @@
             <a:pPr algn="r"/>
             <a:r>
               <a:rPr lang="nl-NL" sz="1200" dirty="0" smtClean="0"/>
-              <a:t>(21 bits) bestaat </a:t>
-            </a:r>
-            <a:r>
-              <a:rPr lang="nl-NL" sz="1200" dirty="0" smtClean="0"/>
-              <a:t>uit 4 losse vectoren</a:t>
+              <a:t>(21 bits) bestaat uit 4 losse vectoren</a:t>
             </a:r>
             <a:endParaRPr lang="nl-NL" sz="1200" dirty="0"/>
           </a:p>
@@ -8762,8 +8807,8 @@
         </p:nvCxnSpPr>
         <p:spPr>
           <a:xfrm flipV="1">
-            <a:off x="5376048" y="1327276"/>
-            <a:ext cx="6556" cy="3479280"/>
+            <a:off x="5373619" y="1357204"/>
+            <a:ext cx="0" cy="333574"/>
           </a:xfrm>
           <a:prstGeom prst="straightConnector1">
             <a:avLst/>
@@ -9118,6 +9163,138 @@
           </a:p>
         </p:txBody>
       </p:sp>
+      <p:cxnSp>
+        <p:nvCxnSpPr>
+          <p:cNvPr id="3" name="Rechte verbindingslijn 2"/>
+          <p:cNvCxnSpPr/>
+          <p:nvPr/>
+        </p:nvCxnSpPr>
+        <p:spPr bwMode="auto">
+          <a:xfrm flipV="1">
+            <a:off x="5373619" y="1690777"/>
+            <a:ext cx="0" cy="3113561"/>
+          </a:xfrm>
+          <a:prstGeom prst="line">
+            <a:avLst/>
+          </a:prstGeom>
+          <a:solidFill>
+            <a:schemeClr val="accent1"/>
+          </a:solidFill>
+          <a:ln w="9525" cap="flat" cmpd="sng" algn="ctr">
+            <a:solidFill>
+              <a:schemeClr val="accent2">
+                <a:lumMod val="50000"/>
+                <a:lumOff val="50000"/>
+              </a:schemeClr>
+            </a:solidFill>
+            <a:prstDash val="solid"/>
+            <a:round/>
+            <a:headEnd type="none" w="med" len="med"/>
+            <a:tailEnd type="none" w="med" len="med"/>
+          </a:ln>
+          <a:effectLst/>
+        </p:spPr>
+      </p:cxnSp>
+      <p:cxnSp>
+        <p:nvCxnSpPr>
+          <p:cNvPr id="96" name="Rechte verbindingslijn 95"/>
+          <p:cNvCxnSpPr>
+            <a:stCxn id="266" idx="0"/>
+          </p:cNvCxnSpPr>
+          <p:nvPr/>
+        </p:nvCxnSpPr>
+        <p:spPr bwMode="auto">
+          <a:xfrm flipH="1" flipV="1">
+            <a:off x="3541228" y="1690777"/>
+            <a:ext cx="1824" cy="983770"/>
+          </a:xfrm>
+          <a:prstGeom prst="line">
+            <a:avLst/>
+          </a:prstGeom>
+          <a:solidFill>
+            <a:schemeClr val="accent1"/>
+          </a:solidFill>
+          <a:ln w="9525" cap="flat" cmpd="sng" algn="ctr">
+            <a:solidFill>
+              <a:schemeClr val="accent2">
+                <a:lumMod val="50000"/>
+                <a:lumOff val="50000"/>
+              </a:schemeClr>
+            </a:solidFill>
+            <a:prstDash val="solid"/>
+            <a:round/>
+            <a:headEnd type="none" w="med" len="med"/>
+            <a:tailEnd type="none" w="med" len="med"/>
+          </a:ln>
+          <a:effectLst/>
+        </p:spPr>
+      </p:cxnSp>
+      <p:cxnSp>
+        <p:nvCxnSpPr>
+          <p:cNvPr id="14" name="Rechte verbindingslijn 13"/>
+          <p:cNvCxnSpPr/>
+          <p:nvPr/>
+        </p:nvCxnSpPr>
+        <p:spPr bwMode="auto">
+          <a:xfrm flipV="1">
+            <a:off x="6804368" y="2708382"/>
+            <a:ext cx="681583" cy="2910"/>
+          </a:xfrm>
+          <a:prstGeom prst="line">
+            <a:avLst/>
+          </a:prstGeom>
+          <a:solidFill>
+            <a:schemeClr val="accent1"/>
+          </a:solidFill>
+          <a:ln w="9525" cap="flat" cmpd="sng" algn="ctr">
+            <a:solidFill>
+              <a:schemeClr val="accent2">
+                <a:lumMod val="50000"/>
+                <a:lumOff val="50000"/>
+              </a:schemeClr>
+            </a:solidFill>
+            <a:prstDash val="solid"/>
+            <a:round/>
+            <a:headEnd type="none" w="med" len="med"/>
+            <a:tailEnd type="none" w="med" len="med"/>
+          </a:ln>
+          <a:effectLst/>
+        </p:spPr>
+      </p:cxnSp>
+      <p:cxnSp>
+        <p:nvCxnSpPr>
+          <p:cNvPr id="30" name="Rechte verbindingslijn 29"/>
+          <p:cNvCxnSpPr>
+            <a:stCxn id="235" idx="2"/>
+          </p:cNvCxnSpPr>
+          <p:nvPr/>
+        </p:nvCxnSpPr>
+        <p:spPr bwMode="auto">
+          <a:xfrm>
+            <a:off x="6806959" y="2549522"/>
+            <a:ext cx="2532" cy="169386"/>
+          </a:xfrm>
+          <a:prstGeom prst="line">
+            <a:avLst/>
+          </a:prstGeom>
+          <a:solidFill>
+            <a:schemeClr val="accent1"/>
+          </a:solidFill>
+          <a:ln w="9525" cap="flat" cmpd="sng" algn="ctr">
+            <a:solidFill>
+              <a:schemeClr val="accent2">
+                <a:lumMod val="50000"/>
+                <a:lumOff val="50000"/>
+              </a:schemeClr>
+            </a:solidFill>
+            <a:prstDash val="solid"/>
+            <a:round/>
+            <a:headEnd type="none" w="med" len="med"/>
+            <a:tailEnd type="none" w="med" len="med"/>
+          </a:ln>
+          <a:effectLst/>
+        </p:spPr>
+      </p:cxnSp>
     </p:spTree>
     <p:extLst>
       <p:ext uri="{BB962C8B-B14F-4D97-AF65-F5344CB8AC3E}">
@@ -9131,9 +9308,2130 @@
   <p:timing>
     <p:tnLst>
       <p:par>
-        <p:cTn id="1" dur="indefinite" restart="never" nodeType="tmRoot"/>
+        <p:cTn id="1" dur="indefinite" restart="never" nodeType="tmRoot">
+          <p:childTnLst>
+            <p:seq concurrent="1" nextAc="seek">
+              <p:cTn id="2" dur="indefinite" nodeType="mainSeq">
+                <p:childTnLst>
+                  <p:par>
+                    <p:cTn id="3" fill="hold">
+                      <p:stCondLst>
+                        <p:cond delay="indefinite"/>
+                      </p:stCondLst>
+                      <p:childTnLst>
+                        <p:par>
+                          <p:cTn id="4" fill="hold">
+                            <p:stCondLst>
+                              <p:cond delay="0"/>
+                            </p:stCondLst>
+                            <p:childTnLst>
+                              <p:par>
+                                <p:cTn id="5" presetID="1" presetClass="entr" presetSubtype="0" fill="hold" grpId="0" nodeType="clickEffect">
+                                  <p:stCondLst>
+                                    <p:cond delay="0"/>
+                                  </p:stCondLst>
+                                  <p:childTnLst>
+                                    <p:set>
+                                      <p:cBhvr>
+                                        <p:cTn id="6" dur="1" fill="hold">
+                                          <p:stCondLst>
+                                            <p:cond delay="0"/>
+                                          </p:stCondLst>
+                                        </p:cTn>
+                                        <p:tgtEl>
+                                          <p:spTgt spid="101"/>
+                                        </p:tgtEl>
+                                        <p:attrNameLst>
+                                          <p:attrName>style.visibility</p:attrName>
+                                        </p:attrNameLst>
+                                      </p:cBhvr>
+                                      <p:to>
+                                        <p:strVal val="visible"/>
+                                      </p:to>
+                                    </p:set>
+                                  </p:childTnLst>
+                                </p:cTn>
+                              </p:par>
+                              <p:par>
+                                <p:cTn id="7" presetID="1" presetClass="entr" presetSubtype="0" fill="hold" grpId="0" nodeType="withEffect">
+                                  <p:stCondLst>
+                                    <p:cond delay="0"/>
+                                  </p:stCondLst>
+                                  <p:childTnLst>
+                                    <p:set>
+                                      <p:cBhvr>
+                                        <p:cTn id="8" dur="1" fill="hold">
+                                          <p:stCondLst>
+                                            <p:cond delay="0"/>
+                                          </p:stCondLst>
+                                        </p:cTn>
+                                        <p:tgtEl>
+                                          <p:spTgt spid="261"/>
+                                        </p:tgtEl>
+                                        <p:attrNameLst>
+                                          <p:attrName>style.visibility</p:attrName>
+                                        </p:attrNameLst>
+                                      </p:cBhvr>
+                                      <p:to>
+                                        <p:strVal val="visible"/>
+                                      </p:to>
+                                    </p:set>
+                                  </p:childTnLst>
+                                </p:cTn>
+                              </p:par>
+                              <p:par>
+                                <p:cTn id="9" presetID="1" presetClass="entr" presetSubtype="0" fill="hold" grpId="0" nodeType="withEffect">
+                                  <p:stCondLst>
+                                    <p:cond delay="0"/>
+                                  </p:stCondLst>
+                                  <p:childTnLst>
+                                    <p:set>
+                                      <p:cBhvr>
+                                        <p:cTn id="10" dur="1" fill="hold">
+                                          <p:stCondLst>
+                                            <p:cond delay="0"/>
+                                          </p:stCondLst>
+                                        </p:cTn>
+                                        <p:tgtEl>
+                                          <p:spTgt spid="222"/>
+                                        </p:tgtEl>
+                                        <p:attrNameLst>
+                                          <p:attrName>style.visibility</p:attrName>
+                                        </p:attrNameLst>
+                                      </p:cBhvr>
+                                      <p:to>
+                                        <p:strVal val="visible"/>
+                                      </p:to>
+                                    </p:set>
+                                  </p:childTnLst>
+                                </p:cTn>
+                              </p:par>
+                              <p:par>
+                                <p:cTn id="11" presetID="1" presetClass="entr" presetSubtype="0" fill="hold" grpId="0" nodeType="withEffect">
+                                  <p:stCondLst>
+                                    <p:cond delay="0"/>
+                                  </p:stCondLst>
+                                  <p:childTnLst>
+                                    <p:set>
+                                      <p:cBhvr>
+                                        <p:cTn id="12" dur="1" fill="hold">
+                                          <p:stCondLst>
+                                            <p:cond delay="0"/>
+                                          </p:stCondLst>
+                                        </p:cTn>
+                                        <p:tgtEl>
+                                          <p:spTgt spid="102"/>
+                                        </p:tgtEl>
+                                        <p:attrNameLst>
+                                          <p:attrName>style.visibility</p:attrName>
+                                        </p:attrNameLst>
+                                      </p:cBhvr>
+                                      <p:to>
+                                        <p:strVal val="visible"/>
+                                      </p:to>
+                                    </p:set>
+                                  </p:childTnLst>
+                                </p:cTn>
+                              </p:par>
+                              <p:par>
+                                <p:cTn id="13" presetID="1" presetClass="entr" presetSubtype="0" fill="hold" grpId="0" nodeType="withEffect">
+                                  <p:stCondLst>
+                                    <p:cond delay="0"/>
+                                  </p:stCondLst>
+                                  <p:childTnLst>
+                                    <p:set>
+                                      <p:cBhvr>
+                                        <p:cTn id="14" dur="1" fill="hold">
+                                          <p:stCondLst>
+                                            <p:cond delay="0"/>
+                                          </p:stCondLst>
+                                        </p:cTn>
+                                        <p:tgtEl>
+                                          <p:spTgt spid="103"/>
+                                        </p:tgtEl>
+                                        <p:attrNameLst>
+                                          <p:attrName>style.visibility</p:attrName>
+                                        </p:attrNameLst>
+                                      </p:cBhvr>
+                                      <p:to>
+                                        <p:strVal val="visible"/>
+                                      </p:to>
+                                    </p:set>
+                                  </p:childTnLst>
+                                </p:cTn>
+                              </p:par>
+                              <p:par>
+                                <p:cTn id="15" presetID="1" presetClass="entr" presetSubtype="0" fill="hold" grpId="0" nodeType="withEffect">
+                                  <p:stCondLst>
+                                    <p:cond delay="0"/>
+                                  </p:stCondLst>
+                                  <p:childTnLst>
+                                    <p:set>
+                                      <p:cBhvr>
+                                        <p:cTn id="16" dur="1" fill="hold">
+                                          <p:stCondLst>
+                                            <p:cond delay="0"/>
+                                          </p:stCondLst>
+                                        </p:cTn>
+                                        <p:tgtEl>
+                                          <p:spTgt spid="104"/>
+                                        </p:tgtEl>
+                                        <p:attrNameLst>
+                                          <p:attrName>style.visibility</p:attrName>
+                                        </p:attrNameLst>
+                                      </p:cBhvr>
+                                      <p:to>
+                                        <p:strVal val="visible"/>
+                                      </p:to>
+                                    </p:set>
+                                  </p:childTnLst>
+                                </p:cTn>
+                              </p:par>
+                              <p:par>
+                                <p:cTn id="17" presetID="1" presetClass="entr" presetSubtype="0" fill="hold" grpId="0" nodeType="withEffect">
+                                  <p:stCondLst>
+                                    <p:cond delay="0"/>
+                                  </p:stCondLst>
+                                  <p:childTnLst>
+                                    <p:set>
+                                      <p:cBhvr>
+                                        <p:cTn id="18" dur="1" fill="hold">
+                                          <p:stCondLst>
+                                            <p:cond delay="0"/>
+                                          </p:stCondLst>
+                                        </p:cTn>
+                                        <p:tgtEl>
+                                          <p:spTgt spid="105"/>
+                                        </p:tgtEl>
+                                        <p:attrNameLst>
+                                          <p:attrName>style.visibility</p:attrName>
+                                        </p:attrNameLst>
+                                      </p:cBhvr>
+                                      <p:to>
+                                        <p:strVal val="visible"/>
+                                      </p:to>
+                                    </p:set>
+                                  </p:childTnLst>
+                                </p:cTn>
+                              </p:par>
+                              <p:par>
+                                <p:cTn id="19" presetID="1" presetClass="entr" presetSubtype="0" fill="hold" nodeType="withEffect">
+                                  <p:stCondLst>
+                                    <p:cond delay="0"/>
+                                  </p:stCondLst>
+                                  <p:childTnLst>
+                                    <p:set>
+                                      <p:cBhvr>
+                                        <p:cTn id="20" dur="1" fill="hold">
+                                          <p:stCondLst>
+                                            <p:cond delay="0"/>
+                                          </p:stCondLst>
+                                        </p:cTn>
+                                        <p:tgtEl>
+                                          <p:spTgt spid="30"/>
+                                        </p:tgtEl>
+                                        <p:attrNameLst>
+                                          <p:attrName>style.visibility</p:attrName>
+                                        </p:attrNameLst>
+                                      </p:cBhvr>
+                                      <p:to>
+                                        <p:strVal val="visible"/>
+                                      </p:to>
+                                    </p:set>
+                                  </p:childTnLst>
+                                </p:cTn>
+                              </p:par>
+                              <p:par>
+                                <p:cTn id="21" presetID="1" presetClass="entr" presetSubtype="0" fill="hold" nodeType="withEffect">
+                                  <p:stCondLst>
+                                    <p:cond delay="0"/>
+                                  </p:stCondLst>
+                                  <p:childTnLst>
+                                    <p:set>
+                                      <p:cBhvr>
+                                        <p:cTn id="22" dur="1" fill="hold">
+                                          <p:stCondLst>
+                                            <p:cond delay="0"/>
+                                          </p:stCondLst>
+                                        </p:cTn>
+                                        <p:tgtEl>
+                                          <p:spTgt spid="14"/>
+                                        </p:tgtEl>
+                                        <p:attrNameLst>
+                                          <p:attrName>style.visibility</p:attrName>
+                                        </p:attrNameLst>
+                                      </p:cBhvr>
+                                      <p:to>
+                                        <p:strVal val="visible"/>
+                                      </p:to>
+                                    </p:set>
+                                  </p:childTnLst>
+                                </p:cTn>
+                              </p:par>
+                              <p:par>
+                                <p:cTn id="23" presetID="1" presetClass="entr" presetSubtype="0" fill="hold" grpId="0" nodeType="withEffect">
+                                  <p:stCondLst>
+                                    <p:cond delay="0"/>
+                                  </p:stCondLst>
+                                  <p:childTnLst>
+                                    <p:set>
+                                      <p:cBhvr>
+                                        <p:cTn id="24" dur="1" fill="hold">
+                                          <p:stCondLst>
+                                            <p:cond delay="0"/>
+                                          </p:stCondLst>
+                                        </p:cTn>
+                                        <p:tgtEl>
+                                          <p:spTgt spid="235"/>
+                                        </p:tgtEl>
+                                        <p:attrNameLst>
+                                          <p:attrName>style.visibility</p:attrName>
+                                        </p:attrNameLst>
+                                      </p:cBhvr>
+                                      <p:to>
+                                        <p:strVal val="visible"/>
+                                      </p:to>
+                                    </p:set>
+                                  </p:childTnLst>
+                                </p:cTn>
+                              </p:par>
+                              <p:par>
+                                <p:cTn id="25" presetID="1" presetClass="entr" presetSubtype="0" fill="hold" nodeType="withEffect">
+                                  <p:stCondLst>
+                                    <p:cond delay="0"/>
+                                  </p:stCondLst>
+                                  <p:childTnLst>
+                                    <p:set>
+                                      <p:cBhvr>
+                                        <p:cTn id="26" dur="1" fill="hold">
+                                          <p:stCondLst>
+                                            <p:cond delay="0"/>
+                                          </p:stCondLst>
+                                        </p:cTn>
+                                        <p:tgtEl>
+                                          <p:spTgt spid="397"/>
+                                        </p:tgtEl>
+                                        <p:attrNameLst>
+                                          <p:attrName>style.visibility</p:attrName>
+                                        </p:attrNameLst>
+                                      </p:cBhvr>
+                                      <p:to>
+                                        <p:strVal val="visible"/>
+                                      </p:to>
+                                    </p:set>
+                                  </p:childTnLst>
+                                </p:cTn>
+                              </p:par>
+                              <p:par>
+                                <p:cTn id="27" presetID="1" presetClass="entr" presetSubtype="0" fill="hold" nodeType="withEffect">
+                                  <p:stCondLst>
+                                    <p:cond delay="0"/>
+                                  </p:stCondLst>
+                                  <p:childTnLst>
+                                    <p:set>
+                                      <p:cBhvr>
+                                        <p:cTn id="28" dur="1" fill="hold">
+                                          <p:stCondLst>
+                                            <p:cond delay="0"/>
+                                          </p:stCondLst>
+                                        </p:cTn>
+                                        <p:tgtEl>
+                                          <p:spTgt spid="391"/>
+                                        </p:tgtEl>
+                                        <p:attrNameLst>
+                                          <p:attrName>style.visibility</p:attrName>
+                                        </p:attrNameLst>
+                                      </p:cBhvr>
+                                      <p:to>
+                                        <p:strVal val="visible"/>
+                                      </p:to>
+                                    </p:set>
+                                  </p:childTnLst>
+                                </p:cTn>
+                              </p:par>
+                              <p:par>
+                                <p:cTn id="29" presetID="1" presetClass="entr" presetSubtype="0" fill="hold" nodeType="withEffect">
+                                  <p:stCondLst>
+                                    <p:cond delay="0"/>
+                                  </p:stCondLst>
+                                  <p:childTnLst>
+                                    <p:set>
+                                      <p:cBhvr>
+                                        <p:cTn id="30" dur="1" fill="hold">
+                                          <p:stCondLst>
+                                            <p:cond delay="0"/>
+                                          </p:stCondLst>
+                                        </p:cTn>
+                                        <p:tgtEl>
+                                          <p:spTgt spid="3"/>
+                                        </p:tgtEl>
+                                        <p:attrNameLst>
+                                          <p:attrName>style.visibility</p:attrName>
+                                        </p:attrNameLst>
+                                      </p:cBhvr>
+                                      <p:to>
+                                        <p:strVal val="visible"/>
+                                      </p:to>
+                                    </p:set>
+                                  </p:childTnLst>
+                                </p:cTn>
+                              </p:par>
+                              <p:par>
+                                <p:cTn id="31" presetID="1" presetClass="entr" presetSubtype="0" fill="hold" nodeType="withEffect">
+                                  <p:stCondLst>
+                                    <p:cond delay="0"/>
+                                  </p:stCondLst>
+                                  <p:childTnLst>
+                                    <p:set>
+                                      <p:cBhvr>
+                                        <p:cTn id="32" dur="1" fill="hold">
+                                          <p:stCondLst>
+                                            <p:cond delay="0"/>
+                                          </p:stCondLst>
+                                        </p:cTn>
+                                        <p:tgtEl>
+                                          <p:spTgt spid="269"/>
+                                        </p:tgtEl>
+                                        <p:attrNameLst>
+                                          <p:attrName>style.visibility</p:attrName>
+                                        </p:attrNameLst>
+                                      </p:cBhvr>
+                                      <p:to>
+                                        <p:strVal val="visible"/>
+                                      </p:to>
+                                    </p:set>
+                                  </p:childTnLst>
+                                </p:cTn>
+                              </p:par>
+                              <p:par>
+                                <p:cTn id="33" presetID="1" presetClass="entr" presetSubtype="0" fill="hold" nodeType="withEffect">
+                                  <p:stCondLst>
+                                    <p:cond delay="0"/>
+                                  </p:stCondLst>
+                                  <p:childTnLst>
+                                    <p:set>
+                                      <p:cBhvr>
+                                        <p:cTn id="34" dur="1" fill="hold">
+                                          <p:stCondLst>
+                                            <p:cond delay="0"/>
+                                          </p:stCondLst>
+                                        </p:cTn>
+                                        <p:tgtEl>
+                                          <p:spTgt spid="96"/>
+                                        </p:tgtEl>
+                                        <p:attrNameLst>
+                                          <p:attrName>style.visibility</p:attrName>
+                                        </p:attrNameLst>
+                                      </p:cBhvr>
+                                      <p:to>
+                                        <p:strVal val="visible"/>
+                                      </p:to>
+                                    </p:set>
+                                  </p:childTnLst>
+                                </p:cTn>
+                              </p:par>
+                              <p:par>
+                                <p:cTn id="35" presetID="1" presetClass="entr" presetSubtype="0" fill="hold" nodeType="withEffect">
+                                  <p:stCondLst>
+                                    <p:cond delay="0"/>
+                                  </p:stCondLst>
+                                  <p:childTnLst>
+                                    <p:set>
+                                      <p:cBhvr>
+                                        <p:cTn id="36" dur="1" fill="hold">
+                                          <p:stCondLst>
+                                            <p:cond delay="0"/>
+                                          </p:stCondLst>
+                                        </p:cTn>
+                                        <p:tgtEl>
+                                          <p:spTgt spid="327"/>
+                                        </p:tgtEl>
+                                        <p:attrNameLst>
+                                          <p:attrName>style.visibility</p:attrName>
+                                        </p:attrNameLst>
+                                      </p:cBhvr>
+                                      <p:to>
+                                        <p:strVal val="visible"/>
+                                      </p:to>
+                                    </p:set>
+                                  </p:childTnLst>
+                                </p:cTn>
+                              </p:par>
+                              <p:par>
+                                <p:cTn id="37" presetID="1" presetClass="entr" presetSubtype="0" fill="hold" nodeType="withEffect">
+                                  <p:stCondLst>
+                                    <p:cond delay="0"/>
+                                  </p:stCondLst>
+                                  <p:childTnLst>
+                                    <p:set>
+                                      <p:cBhvr>
+                                        <p:cTn id="38" dur="1" fill="hold">
+                                          <p:stCondLst>
+                                            <p:cond delay="0"/>
+                                          </p:stCondLst>
+                                        </p:cTn>
+                                        <p:tgtEl>
+                                          <p:spTgt spid="343"/>
+                                        </p:tgtEl>
+                                        <p:attrNameLst>
+                                          <p:attrName>style.visibility</p:attrName>
+                                        </p:attrNameLst>
+                                      </p:cBhvr>
+                                      <p:to>
+                                        <p:strVal val="visible"/>
+                                      </p:to>
+                                    </p:set>
+                                  </p:childTnLst>
+                                </p:cTn>
+                              </p:par>
+                              <p:par>
+                                <p:cTn id="39" presetID="1" presetClass="entr" presetSubtype="0" fill="hold" nodeType="withEffect">
+                                  <p:stCondLst>
+                                    <p:cond delay="0"/>
+                                  </p:stCondLst>
+                                  <p:childTnLst>
+                                    <p:set>
+                                      <p:cBhvr>
+                                        <p:cTn id="40" dur="1" fill="hold">
+                                          <p:stCondLst>
+                                            <p:cond delay="0"/>
+                                          </p:stCondLst>
+                                        </p:cTn>
+                                        <p:tgtEl>
+                                          <p:spTgt spid="330"/>
+                                        </p:tgtEl>
+                                        <p:attrNameLst>
+                                          <p:attrName>style.visibility</p:attrName>
+                                        </p:attrNameLst>
+                                      </p:cBhvr>
+                                      <p:to>
+                                        <p:strVal val="visible"/>
+                                      </p:to>
+                                    </p:set>
+                                  </p:childTnLst>
+                                </p:cTn>
+                              </p:par>
+                              <p:par>
+                                <p:cTn id="41" presetID="1" presetClass="entr" presetSubtype="0" fill="hold" nodeType="withEffect">
+                                  <p:stCondLst>
+                                    <p:cond delay="0"/>
+                                  </p:stCondLst>
+                                  <p:childTnLst>
+                                    <p:set>
+                                      <p:cBhvr>
+                                        <p:cTn id="42" dur="1" fill="hold">
+                                          <p:stCondLst>
+                                            <p:cond delay="0"/>
+                                          </p:stCondLst>
+                                        </p:cTn>
+                                        <p:tgtEl>
+                                          <p:spTgt spid="331"/>
+                                        </p:tgtEl>
+                                        <p:attrNameLst>
+                                          <p:attrName>style.visibility</p:attrName>
+                                        </p:attrNameLst>
+                                      </p:cBhvr>
+                                      <p:to>
+                                        <p:strVal val="visible"/>
+                                      </p:to>
+                                    </p:set>
+                                  </p:childTnLst>
+                                </p:cTn>
+                              </p:par>
+                              <p:par>
+                                <p:cTn id="43" presetID="1" presetClass="entr" presetSubtype="0" fill="hold" grpId="0" nodeType="withEffect">
+                                  <p:stCondLst>
+                                    <p:cond delay="0"/>
+                                  </p:stCondLst>
+                                  <p:childTnLst>
+                                    <p:set>
+                                      <p:cBhvr>
+                                        <p:cTn id="44" dur="1" fill="hold">
+                                          <p:stCondLst>
+                                            <p:cond delay="0"/>
+                                          </p:stCondLst>
+                                        </p:cTn>
+                                        <p:tgtEl>
+                                          <p:spTgt spid="329"/>
+                                        </p:tgtEl>
+                                        <p:attrNameLst>
+                                          <p:attrName>style.visibility</p:attrName>
+                                        </p:attrNameLst>
+                                      </p:cBhvr>
+                                      <p:to>
+                                        <p:strVal val="visible"/>
+                                      </p:to>
+                                    </p:set>
+                                  </p:childTnLst>
+                                </p:cTn>
+                              </p:par>
+                              <p:par>
+                                <p:cTn id="45" presetID="1" presetClass="entr" presetSubtype="0" fill="hold" nodeType="withEffect">
+                                  <p:stCondLst>
+                                    <p:cond delay="0"/>
+                                  </p:stCondLst>
+                                  <p:childTnLst>
+                                    <p:set>
+                                      <p:cBhvr>
+                                        <p:cTn id="46" dur="1" fill="hold">
+                                          <p:stCondLst>
+                                            <p:cond delay="0"/>
+                                          </p:stCondLst>
+                                        </p:cTn>
+                                        <p:tgtEl>
+                                          <p:spTgt spid="345"/>
+                                        </p:tgtEl>
+                                        <p:attrNameLst>
+                                          <p:attrName>style.visibility</p:attrName>
+                                        </p:attrNameLst>
+                                      </p:cBhvr>
+                                      <p:to>
+                                        <p:strVal val="visible"/>
+                                      </p:to>
+                                    </p:set>
+                                  </p:childTnLst>
+                                </p:cTn>
+                              </p:par>
+                              <p:par>
+                                <p:cTn id="47" presetID="1" presetClass="entr" presetSubtype="0" fill="hold" grpId="0" nodeType="withEffect">
+                                  <p:stCondLst>
+                                    <p:cond delay="0"/>
+                                  </p:stCondLst>
+                                  <p:childTnLst>
+                                    <p:set>
+                                      <p:cBhvr>
+                                        <p:cTn id="48" dur="1" fill="hold">
+                                          <p:stCondLst>
+                                            <p:cond delay="0"/>
+                                          </p:stCondLst>
+                                        </p:cTn>
+                                        <p:tgtEl>
+                                          <p:spTgt spid="347"/>
+                                        </p:tgtEl>
+                                        <p:attrNameLst>
+                                          <p:attrName>style.visibility</p:attrName>
+                                        </p:attrNameLst>
+                                      </p:cBhvr>
+                                      <p:to>
+                                        <p:strVal val="visible"/>
+                                      </p:to>
+                                    </p:set>
+                                  </p:childTnLst>
+                                </p:cTn>
+                              </p:par>
+                              <p:par>
+                                <p:cTn id="49" presetID="1" presetClass="entr" presetSubtype="0" fill="hold" nodeType="withEffect">
+                                  <p:stCondLst>
+                                    <p:cond delay="0"/>
+                                  </p:stCondLst>
+                                  <p:childTnLst>
+                                    <p:set>
+                                      <p:cBhvr>
+                                        <p:cTn id="50" dur="1" fill="hold">
+                                          <p:stCondLst>
+                                            <p:cond delay="0"/>
+                                          </p:stCondLst>
+                                        </p:cTn>
+                                        <p:tgtEl>
+                                          <p:spTgt spid="346"/>
+                                        </p:tgtEl>
+                                        <p:attrNameLst>
+                                          <p:attrName>style.visibility</p:attrName>
+                                        </p:attrNameLst>
+                                      </p:cBhvr>
+                                      <p:to>
+                                        <p:strVal val="visible"/>
+                                      </p:to>
+                                    </p:set>
+                                  </p:childTnLst>
+                                </p:cTn>
+                              </p:par>
+                              <p:par>
+                                <p:cTn id="51" presetID="1" presetClass="entr" presetSubtype="0" fill="hold" nodeType="withEffect">
+                                  <p:stCondLst>
+                                    <p:cond delay="0"/>
+                                  </p:stCondLst>
+                                  <p:childTnLst>
+                                    <p:set>
+                                      <p:cBhvr>
+                                        <p:cTn id="52" dur="1" fill="hold">
+                                          <p:stCondLst>
+                                            <p:cond delay="0"/>
+                                          </p:stCondLst>
+                                        </p:cTn>
+                                        <p:tgtEl>
+                                          <p:spTgt spid="344"/>
+                                        </p:tgtEl>
+                                        <p:attrNameLst>
+                                          <p:attrName>style.visibility</p:attrName>
+                                        </p:attrNameLst>
+                                      </p:cBhvr>
+                                      <p:to>
+                                        <p:strVal val="visible"/>
+                                      </p:to>
+                                    </p:set>
+                                  </p:childTnLst>
+                                </p:cTn>
+                              </p:par>
+                              <p:par>
+                                <p:cTn id="53" presetID="1" presetClass="entr" presetSubtype="0" fill="hold" nodeType="withEffect">
+                                  <p:stCondLst>
+                                    <p:cond delay="0"/>
+                                  </p:stCondLst>
+                                  <p:childTnLst>
+                                    <p:set>
+                                      <p:cBhvr>
+                                        <p:cTn id="54" dur="1" fill="hold">
+                                          <p:stCondLst>
+                                            <p:cond delay="0"/>
+                                          </p:stCondLst>
+                                        </p:cTn>
+                                        <p:tgtEl>
+                                          <p:spTgt spid="338"/>
+                                        </p:tgtEl>
+                                        <p:attrNameLst>
+                                          <p:attrName>style.visibility</p:attrName>
+                                        </p:attrNameLst>
+                                      </p:cBhvr>
+                                      <p:to>
+                                        <p:strVal val="visible"/>
+                                      </p:to>
+                                    </p:set>
+                                  </p:childTnLst>
+                                </p:cTn>
+                              </p:par>
+                              <p:par>
+                                <p:cTn id="55" presetID="1" presetClass="entr" presetSubtype="0" fill="hold" nodeType="withEffect">
+                                  <p:stCondLst>
+                                    <p:cond delay="0"/>
+                                  </p:stCondLst>
+                                  <p:childTnLst>
+                                    <p:set>
+                                      <p:cBhvr>
+                                        <p:cTn id="56" dur="1" fill="hold">
+                                          <p:stCondLst>
+                                            <p:cond delay="0"/>
+                                          </p:stCondLst>
+                                        </p:cTn>
+                                        <p:tgtEl>
+                                          <p:spTgt spid="328"/>
+                                        </p:tgtEl>
+                                        <p:attrNameLst>
+                                          <p:attrName>style.visibility</p:attrName>
+                                        </p:attrNameLst>
+                                      </p:cBhvr>
+                                      <p:to>
+                                        <p:strVal val="visible"/>
+                                      </p:to>
+                                    </p:set>
+                                  </p:childTnLst>
+                                </p:cTn>
+                              </p:par>
+                              <p:par>
+                                <p:cTn id="57" presetID="1" presetClass="entr" presetSubtype="0" fill="hold" grpId="0" nodeType="withEffect">
+                                  <p:stCondLst>
+                                    <p:cond delay="0"/>
+                                  </p:stCondLst>
+                                  <p:childTnLst>
+                                    <p:set>
+                                      <p:cBhvr>
+                                        <p:cTn id="58" dur="1" fill="hold">
+                                          <p:stCondLst>
+                                            <p:cond delay="0"/>
+                                          </p:stCondLst>
+                                        </p:cTn>
+                                        <p:tgtEl>
+                                          <p:spTgt spid="266"/>
+                                        </p:tgtEl>
+                                        <p:attrNameLst>
+                                          <p:attrName>style.visibility</p:attrName>
+                                        </p:attrNameLst>
+                                      </p:cBhvr>
+                                      <p:to>
+                                        <p:strVal val="visible"/>
+                                      </p:to>
+                                    </p:set>
+                                  </p:childTnLst>
+                                </p:cTn>
+                              </p:par>
+                              <p:par>
+                                <p:cTn id="59" presetID="1" presetClass="entr" presetSubtype="0" fill="hold" nodeType="withEffect">
+                                  <p:stCondLst>
+                                    <p:cond delay="0"/>
+                                  </p:stCondLst>
+                                  <p:childTnLst>
+                                    <p:set>
+                                      <p:cBhvr>
+                                        <p:cTn id="60" dur="1" fill="hold">
+                                          <p:stCondLst>
+                                            <p:cond delay="0"/>
+                                          </p:stCondLst>
+                                        </p:cTn>
+                                        <p:tgtEl>
+                                          <p:spTgt spid="293"/>
+                                        </p:tgtEl>
+                                        <p:attrNameLst>
+                                          <p:attrName>style.visibility</p:attrName>
+                                        </p:attrNameLst>
+                                      </p:cBhvr>
+                                      <p:to>
+                                        <p:strVal val="visible"/>
+                                      </p:to>
+                                    </p:set>
+                                  </p:childTnLst>
+                                </p:cTn>
+                              </p:par>
+                              <p:par>
+                                <p:cTn id="61" presetID="1" presetClass="entr" presetSubtype="0" fill="hold" nodeType="withEffect">
+                                  <p:stCondLst>
+                                    <p:cond delay="0"/>
+                                  </p:stCondLst>
+                                  <p:childTnLst>
+                                    <p:set>
+                                      <p:cBhvr>
+                                        <p:cTn id="62" dur="1" fill="hold">
+                                          <p:stCondLst>
+                                            <p:cond delay="0"/>
+                                          </p:stCondLst>
+                                        </p:cTn>
+                                        <p:tgtEl>
+                                          <p:spTgt spid="317"/>
+                                        </p:tgtEl>
+                                        <p:attrNameLst>
+                                          <p:attrName>style.visibility</p:attrName>
+                                        </p:attrNameLst>
+                                      </p:cBhvr>
+                                      <p:to>
+                                        <p:strVal val="visible"/>
+                                      </p:to>
+                                    </p:set>
+                                  </p:childTnLst>
+                                </p:cTn>
+                              </p:par>
+                              <p:par>
+                                <p:cTn id="63" presetID="1" presetClass="entr" presetSubtype="0" fill="hold" grpId="0" nodeType="withEffect">
+                                  <p:stCondLst>
+                                    <p:cond delay="0"/>
+                                  </p:stCondLst>
+                                  <p:childTnLst>
+                                    <p:set>
+                                      <p:cBhvr>
+                                        <p:cTn id="64" dur="1" fill="hold">
+                                          <p:stCondLst>
+                                            <p:cond delay="0"/>
+                                          </p:stCondLst>
+                                        </p:cTn>
+                                        <p:tgtEl>
+                                          <p:spTgt spid="263"/>
+                                        </p:tgtEl>
+                                        <p:attrNameLst>
+                                          <p:attrName>style.visibility</p:attrName>
+                                        </p:attrNameLst>
+                                      </p:cBhvr>
+                                      <p:to>
+                                        <p:strVal val="visible"/>
+                                      </p:to>
+                                    </p:set>
+                                  </p:childTnLst>
+                                </p:cTn>
+                              </p:par>
+                              <p:par>
+                                <p:cTn id="65" presetID="1" presetClass="entr" presetSubtype="0" fill="hold" nodeType="withEffect">
+                                  <p:stCondLst>
+                                    <p:cond delay="0"/>
+                                  </p:stCondLst>
+                                  <p:childTnLst>
+                                    <p:set>
+                                      <p:cBhvr>
+                                        <p:cTn id="66" dur="1" fill="hold">
+                                          <p:stCondLst>
+                                            <p:cond delay="0"/>
+                                          </p:stCondLst>
+                                        </p:cTn>
+                                        <p:tgtEl>
+                                          <p:spTgt spid="315"/>
+                                        </p:tgtEl>
+                                        <p:attrNameLst>
+                                          <p:attrName>style.visibility</p:attrName>
+                                        </p:attrNameLst>
+                                      </p:cBhvr>
+                                      <p:to>
+                                        <p:strVal val="visible"/>
+                                      </p:to>
+                                    </p:set>
+                                  </p:childTnLst>
+                                </p:cTn>
+                              </p:par>
+                            </p:childTnLst>
+                          </p:cTn>
+                        </p:par>
+                      </p:childTnLst>
+                    </p:cTn>
+                  </p:par>
+                  <p:par>
+                    <p:cTn id="67" fill="hold">
+                      <p:stCondLst>
+                        <p:cond delay="indefinite"/>
+                      </p:stCondLst>
+                      <p:childTnLst>
+                        <p:par>
+                          <p:cTn id="68" fill="hold">
+                            <p:stCondLst>
+                              <p:cond delay="0"/>
+                            </p:stCondLst>
+                            <p:childTnLst>
+                              <p:par>
+                                <p:cTn id="69" presetID="1" presetClass="entr" presetSubtype="0" fill="hold" grpId="0" nodeType="clickEffect">
+                                  <p:stCondLst>
+                                    <p:cond delay="200"/>
+                                  </p:stCondLst>
+                                  <p:childTnLst>
+                                    <p:set>
+                                      <p:cBhvr>
+                                        <p:cTn id="70" dur="1" fill="hold">
+                                          <p:stCondLst>
+                                            <p:cond delay="0"/>
+                                          </p:stCondLst>
+                                        </p:cTn>
+                                        <p:tgtEl>
+                                          <p:spTgt spid="314"/>
+                                        </p:tgtEl>
+                                        <p:attrNameLst>
+                                          <p:attrName>style.visibility</p:attrName>
+                                        </p:attrNameLst>
+                                      </p:cBhvr>
+                                      <p:to>
+                                        <p:strVal val="visible"/>
+                                      </p:to>
+                                    </p:set>
+                                  </p:childTnLst>
+                                </p:cTn>
+                              </p:par>
+                              <p:par>
+                                <p:cTn id="71" presetID="1" presetClass="entr" presetSubtype="0" fill="hold" nodeType="withEffect">
+                                  <p:stCondLst>
+                                    <p:cond delay="200"/>
+                                  </p:stCondLst>
+                                  <p:childTnLst>
+                                    <p:set>
+                                      <p:cBhvr>
+                                        <p:cTn id="72" dur="1" fill="hold">
+                                          <p:stCondLst>
+                                            <p:cond delay="0"/>
+                                          </p:stCondLst>
+                                        </p:cTn>
+                                        <p:tgtEl>
+                                          <p:spTgt spid="313"/>
+                                        </p:tgtEl>
+                                        <p:attrNameLst>
+                                          <p:attrName>style.visibility</p:attrName>
+                                        </p:attrNameLst>
+                                      </p:cBhvr>
+                                      <p:to>
+                                        <p:strVal val="visible"/>
+                                      </p:to>
+                                    </p:set>
+                                  </p:childTnLst>
+                                </p:cTn>
+                              </p:par>
+                              <p:par>
+                                <p:cTn id="73" presetID="1" presetClass="entr" presetSubtype="0" fill="hold" grpId="0" nodeType="withEffect">
+                                  <p:stCondLst>
+                                    <p:cond delay="200"/>
+                                  </p:stCondLst>
+                                  <p:childTnLst>
+                                    <p:set>
+                                      <p:cBhvr>
+                                        <p:cTn id="74" dur="1" fill="hold">
+                                          <p:stCondLst>
+                                            <p:cond delay="0"/>
+                                          </p:stCondLst>
+                                        </p:cTn>
+                                        <p:tgtEl>
+                                          <p:spTgt spid="210"/>
+                                        </p:tgtEl>
+                                        <p:attrNameLst>
+                                          <p:attrName>style.visibility</p:attrName>
+                                        </p:attrNameLst>
+                                      </p:cBhvr>
+                                      <p:to>
+                                        <p:strVal val="visible"/>
+                                      </p:to>
+                                    </p:set>
+                                  </p:childTnLst>
+                                </p:cTn>
+                              </p:par>
+                              <p:par>
+                                <p:cTn id="75" presetID="1" presetClass="entr" presetSubtype="0" fill="hold" grpId="0" nodeType="withEffect">
+                                  <p:stCondLst>
+                                    <p:cond delay="0"/>
+                                  </p:stCondLst>
+                                  <p:childTnLst>
+                                    <p:set>
+                                      <p:cBhvr>
+                                        <p:cTn id="76" dur="1" fill="hold">
+                                          <p:stCondLst>
+                                            <p:cond delay="0"/>
+                                          </p:stCondLst>
+                                        </p:cTn>
+                                        <p:tgtEl>
+                                          <p:spTgt spid="240"/>
+                                        </p:tgtEl>
+                                        <p:attrNameLst>
+                                          <p:attrName>style.visibility</p:attrName>
+                                        </p:attrNameLst>
+                                      </p:cBhvr>
+                                      <p:to>
+                                        <p:strVal val="visible"/>
+                                      </p:to>
+                                    </p:set>
+                                  </p:childTnLst>
+                                </p:cTn>
+                              </p:par>
+                              <p:par>
+                                <p:cTn id="77" presetID="1" presetClass="entr" presetSubtype="0" fill="hold" nodeType="withEffect">
+                                  <p:stCondLst>
+                                    <p:cond delay="0"/>
+                                  </p:stCondLst>
+                                  <p:childTnLst>
+                                    <p:set>
+                                      <p:cBhvr>
+                                        <p:cTn id="78" dur="1" fill="hold">
+                                          <p:stCondLst>
+                                            <p:cond delay="0"/>
+                                          </p:stCondLst>
+                                        </p:cTn>
+                                        <p:tgtEl>
+                                          <p:spTgt spid="237"/>
+                                        </p:tgtEl>
+                                        <p:attrNameLst>
+                                          <p:attrName>style.visibility</p:attrName>
+                                        </p:attrNameLst>
+                                      </p:cBhvr>
+                                      <p:to>
+                                        <p:strVal val="visible"/>
+                                      </p:to>
+                                    </p:set>
+                                  </p:childTnLst>
+                                </p:cTn>
+                              </p:par>
+                              <p:par>
+                                <p:cTn id="79" presetID="1" presetClass="entr" presetSubtype="0" fill="hold" grpId="0" nodeType="withEffect">
+                                  <p:stCondLst>
+                                    <p:cond delay="0"/>
+                                  </p:stCondLst>
+                                  <p:childTnLst>
+                                    <p:set>
+                                      <p:cBhvr>
+                                        <p:cTn id="80" dur="1" fill="hold">
+                                          <p:stCondLst>
+                                            <p:cond delay="0"/>
+                                          </p:stCondLst>
+                                        </p:cTn>
+                                        <p:tgtEl>
+                                          <p:spTgt spid="239"/>
+                                        </p:tgtEl>
+                                        <p:attrNameLst>
+                                          <p:attrName>style.visibility</p:attrName>
+                                        </p:attrNameLst>
+                                      </p:cBhvr>
+                                      <p:to>
+                                        <p:strVal val="visible"/>
+                                      </p:to>
+                                    </p:set>
+                                  </p:childTnLst>
+                                </p:cTn>
+                              </p:par>
+                            </p:childTnLst>
+                          </p:cTn>
+                        </p:par>
+                      </p:childTnLst>
+                    </p:cTn>
+                  </p:par>
+                  <p:par>
+                    <p:cTn id="81" fill="hold">
+                      <p:stCondLst>
+                        <p:cond delay="indefinite"/>
+                      </p:stCondLst>
+                      <p:childTnLst>
+                        <p:par>
+                          <p:cTn id="82" fill="hold">
+                            <p:stCondLst>
+                              <p:cond delay="0"/>
+                            </p:stCondLst>
+                            <p:childTnLst>
+                              <p:par>
+                                <p:cTn id="83" presetID="1" presetClass="entr" presetSubtype="0" fill="hold" nodeType="clickEffect">
+                                  <p:stCondLst>
+                                    <p:cond delay="0"/>
+                                  </p:stCondLst>
+                                  <p:childTnLst>
+                                    <p:set>
+                                      <p:cBhvr>
+                                        <p:cTn id="84" dur="1" fill="hold">
+                                          <p:stCondLst>
+                                            <p:cond delay="0"/>
+                                          </p:stCondLst>
+                                        </p:cTn>
+                                        <p:tgtEl>
+                                          <p:spTgt spid="211"/>
+                                        </p:tgtEl>
+                                        <p:attrNameLst>
+                                          <p:attrName>style.visibility</p:attrName>
+                                        </p:attrNameLst>
+                                      </p:cBhvr>
+                                      <p:to>
+                                        <p:strVal val="visible"/>
+                                      </p:to>
+                                    </p:set>
+                                  </p:childTnLst>
+                                </p:cTn>
+                              </p:par>
+                              <p:par>
+                                <p:cTn id="85" presetID="1" presetClass="entr" presetSubtype="0" fill="hold" grpId="0" nodeType="withEffect">
+                                  <p:stCondLst>
+                                    <p:cond delay="0"/>
+                                  </p:stCondLst>
+                                  <p:childTnLst>
+                                    <p:set>
+                                      <p:cBhvr>
+                                        <p:cTn id="86" dur="1" fill="hold">
+                                          <p:stCondLst>
+                                            <p:cond delay="0"/>
+                                          </p:stCondLst>
+                                        </p:cTn>
+                                        <p:tgtEl>
+                                          <p:spTgt spid="212"/>
+                                        </p:tgtEl>
+                                        <p:attrNameLst>
+                                          <p:attrName>style.visibility</p:attrName>
+                                        </p:attrNameLst>
+                                      </p:cBhvr>
+                                      <p:to>
+                                        <p:strVal val="visible"/>
+                                      </p:to>
+                                    </p:set>
+                                  </p:childTnLst>
+                                </p:cTn>
+                              </p:par>
+                              <p:par>
+                                <p:cTn id="87" presetID="1" presetClass="entr" presetSubtype="0" fill="hold" grpId="0" nodeType="withEffect">
+                                  <p:stCondLst>
+                                    <p:cond delay="200"/>
+                                  </p:stCondLst>
+                                  <p:childTnLst>
+                                    <p:set>
+                                      <p:cBhvr>
+                                        <p:cTn id="88" dur="1" fill="hold">
+                                          <p:stCondLst>
+                                            <p:cond delay="0"/>
+                                          </p:stCondLst>
+                                        </p:cTn>
+                                        <p:tgtEl>
+                                          <p:spTgt spid="311"/>
+                                        </p:tgtEl>
+                                        <p:attrNameLst>
+                                          <p:attrName>style.visibility</p:attrName>
+                                        </p:attrNameLst>
+                                      </p:cBhvr>
+                                      <p:to>
+                                        <p:strVal val="visible"/>
+                                      </p:to>
+                                    </p:set>
+                                  </p:childTnLst>
+                                </p:cTn>
+                              </p:par>
+                              <p:par>
+                                <p:cTn id="89" presetID="1" presetClass="entr" presetSubtype="0" fill="hold" nodeType="withEffect">
+                                  <p:stCondLst>
+                                    <p:cond delay="200"/>
+                                  </p:stCondLst>
+                                  <p:childTnLst>
+                                    <p:set>
+                                      <p:cBhvr>
+                                        <p:cTn id="90" dur="1" fill="hold">
+                                          <p:stCondLst>
+                                            <p:cond delay="0"/>
+                                          </p:stCondLst>
+                                        </p:cTn>
+                                        <p:tgtEl>
+                                          <p:spTgt spid="310"/>
+                                        </p:tgtEl>
+                                        <p:attrNameLst>
+                                          <p:attrName>style.visibility</p:attrName>
+                                        </p:attrNameLst>
+                                      </p:cBhvr>
+                                      <p:to>
+                                        <p:strVal val="visible"/>
+                                      </p:to>
+                                    </p:set>
+                                  </p:childTnLst>
+                                </p:cTn>
+                              </p:par>
+                              <p:par>
+                                <p:cTn id="91" presetID="1" presetClass="entr" presetSubtype="0" fill="hold" grpId="0" nodeType="withEffect">
+                                  <p:stCondLst>
+                                    <p:cond delay="200"/>
+                                  </p:stCondLst>
+                                  <p:childTnLst>
+                                    <p:set>
+                                      <p:cBhvr>
+                                        <p:cTn id="92" dur="1" fill="hold">
+                                          <p:stCondLst>
+                                            <p:cond delay="0"/>
+                                          </p:stCondLst>
+                                        </p:cTn>
+                                        <p:tgtEl>
+                                          <p:spTgt spid="188"/>
+                                        </p:tgtEl>
+                                        <p:attrNameLst>
+                                          <p:attrName>style.visibility</p:attrName>
+                                        </p:attrNameLst>
+                                      </p:cBhvr>
+                                      <p:to>
+                                        <p:strVal val="visible"/>
+                                      </p:to>
+                                    </p:set>
+                                  </p:childTnLst>
+                                </p:cTn>
+                              </p:par>
+                            </p:childTnLst>
+                          </p:cTn>
+                        </p:par>
+                      </p:childTnLst>
+                    </p:cTn>
+                  </p:par>
+                  <p:par>
+                    <p:cTn id="93" fill="hold">
+                      <p:stCondLst>
+                        <p:cond delay="indefinite"/>
+                      </p:stCondLst>
+                      <p:childTnLst>
+                        <p:par>
+                          <p:cTn id="94" fill="hold">
+                            <p:stCondLst>
+                              <p:cond delay="0"/>
+                            </p:stCondLst>
+                            <p:childTnLst>
+                              <p:par>
+                                <p:cTn id="95" presetID="1" presetClass="entr" presetSubtype="0" fill="hold" nodeType="clickEffect">
+                                  <p:stCondLst>
+                                    <p:cond delay="0"/>
+                                  </p:stCondLst>
+                                  <p:childTnLst>
+                                    <p:set>
+                                      <p:cBhvr>
+                                        <p:cTn id="96" dur="1" fill="hold">
+                                          <p:stCondLst>
+                                            <p:cond delay="0"/>
+                                          </p:stCondLst>
+                                        </p:cTn>
+                                        <p:tgtEl>
+                                          <p:spTgt spid="190"/>
+                                        </p:tgtEl>
+                                        <p:attrNameLst>
+                                          <p:attrName>style.visibility</p:attrName>
+                                        </p:attrNameLst>
+                                      </p:cBhvr>
+                                      <p:to>
+                                        <p:strVal val="visible"/>
+                                      </p:to>
+                                    </p:set>
+                                  </p:childTnLst>
+                                </p:cTn>
+                              </p:par>
+                              <p:par>
+                                <p:cTn id="97" presetID="1" presetClass="entr" presetSubtype="0" fill="hold" grpId="0" nodeType="withEffect">
+                                  <p:stCondLst>
+                                    <p:cond delay="0"/>
+                                  </p:stCondLst>
+                                  <p:childTnLst>
+                                    <p:set>
+                                      <p:cBhvr>
+                                        <p:cTn id="98" dur="1" fill="hold">
+                                          <p:stCondLst>
+                                            <p:cond delay="0"/>
+                                          </p:stCondLst>
+                                        </p:cTn>
+                                        <p:tgtEl>
+                                          <p:spTgt spid="193"/>
+                                        </p:tgtEl>
+                                        <p:attrNameLst>
+                                          <p:attrName>style.visibility</p:attrName>
+                                        </p:attrNameLst>
+                                      </p:cBhvr>
+                                      <p:to>
+                                        <p:strVal val="visible"/>
+                                      </p:to>
+                                    </p:set>
+                                  </p:childTnLst>
+                                </p:cTn>
+                              </p:par>
+                              <p:par>
+                                <p:cTn id="99" presetID="1" presetClass="entr" presetSubtype="0" fill="hold" grpId="0" nodeType="withEffect">
+                                  <p:stCondLst>
+                                    <p:cond delay="200"/>
+                                  </p:stCondLst>
+                                  <p:childTnLst>
+                                    <p:set>
+                                      <p:cBhvr>
+                                        <p:cTn id="100" dur="1" fill="hold">
+                                          <p:stCondLst>
+                                            <p:cond delay="0"/>
+                                          </p:stCondLst>
+                                        </p:cTn>
+                                        <p:tgtEl>
+                                          <p:spTgt spid="177"/>
+                                        </p:tgtEl>
+                                        <p:attrNameLst>
+                                          <p:attrName>style.visibility</p:attrName>
+                                        </p:attrNameLst>
+                                      </p:cBhvr>
+                                      <p:to>
+                                        <p:strVal val="visible"/>
+                                      </p:to>
+                                    </p:set>
+                                  </p:childTnLst>
+                                </p:cTn>
+                              </p:par>
+                            </p:childTnLst>
+                          </p:cTn>
+                        </p:par>
+                      </p:childTnLst>
+                    </p:cTn>
+                  </p:par>
+                  <p:par>
+                    <p:cTn id="101" fill="hold">
+                      <p:stCondLst>
+                        <p:cond delay="indefinite"/>
+                      </p:stCondLst>
+                      <p:childTnLst>
+                        <p:par>
+                          <p:cTn id="102" fill="hold">
+                            <p:stCondLst>
+                              <p:cond delay="0"/>
+                            </p:stCondLst>
+                            <p:childTnLst>
+                              <p:par>
+                                <p:cTn id="103" presetID="1" presetClass="entr" presetSubtype="0" fill="hold" grpId="0" nodeType="clickEffect">
+                                  <p:stCondLst>
+                                    <p:cond delay="0"/>
+                                  </p:stCondLst>
+                                  <p:childTnLst>
+                                    <p:set>
+                                      <p:cBhvr>
+                                        <p:cTn id="104" dur="1" fill="hold">
+                                          <p:stCondLst>
+                                            <p:cond delay="0"/>
+                                          </p:stCondLst>
+                                        </p:cTn>
+                                        <p:tgtEl>
+                                          <p:spTgt spid="124"/>
+                                        </p:tgtEl>
+                                        <p:attrNameLst>
+                                          <p:attrName>style.visibility</p:attrName>
+                                        </p:attrNameLst>
+                                      </p:cBhvr>
+                                      <p:to>
+                                        <p:strVal val="visible"/>
+                                      </p:to>
+                                    </p:set>
+                                  </p:childTnLst>
+                                </p:cTn>
+                              </p:par>
+                              <p:par>
+                                <p:cTn id="105" presetID="1" presetClass="entr" presetSubtype="0" fill="hold" nodeType="withEffect">
+                                  <p:stCondLst>
+                                    <p:cond delay="0"/>
+                                  </p:stCondLst>
+                                  <p:childTnLst>
+                                    <p:set>
+                                      <p:cBhvr>
+                                        <p:cTn id="106" dur="1" fill="hold">
+                                          <p:stCondLst>
+                                            <p:cond delay="0"/>
+                                          </p:stCondLst>
+                                        </p:cTn>
+                                        <p:tgtEl>
+                                          <p:spTgt spid="122"/>
+                                        </p:tgtEl>
+                                        <p:attrNameLst>
+                                          <p:attrName>style.visibility</p:attrName>
+                                        </p:attrNameLst>
+                                      </p:cBhvr>
+                                      <p:to>
+                                        <p:strVal val="visible"/>
+                                      </p:to>
+                                    </p:set>
+                                  </p:childTnLst>
+                                </p:cTn>
+                              </p:par>
+                              <p:par>
+                                <p:cTn id="107" presetID="1" presetClass="entr" presetSubtype="0" fill="hold" nodeType="withEffect">
+                                  <p:stCondLst>
+                                    <p:cond delay="0"/>
+                                  </p:stCondLst>
+                                  <p:childTnLst>
+                                    <p:set>
+                                      <p:cBhvr>
+                                        <p:cTn id="108" dur="1" fill="hold">
+                                          <p:stCondLst>
+                                            <p:cond delay="0"/>
+                                          </p:stCondLst>
+                                        </p:cTn>
+                                        <p:tgtEl>
+                                          <p:spTgt spid="123"/>
+                                        </p:tgtEl>
+                                        <p:attrNameLst>
+                                          <p:attrName>style.visibility</p:attrName>
+                                        </p:attrNameLst>
+                                      </p:cBhvr>
+                                      <p:to>
+                                        <p:strVal val="visible"/>
+                                      </p:to>
+                                    </p:set>
+                                  </p:childTnLst>
+                                </p:cTn>
+                              </p:par>
+                              <p:par>
+                                <p:cTn id="109" presetID="1" presetClass="entr" presetSubtype="0" fill="hold" grpId="0" nodeType="withEffect">
+                                  <p:stCondLst>
+                                    <p:cond delay="0"/>
+                                  </p:stCondLst>
+                                  <p:childTnLst>
+                                    <p:set>
+                                      <p:cBhvr>
+                                        <p:cTn id="110" dur="1" fill="hold">
+                                          <p:stCondLst>
+                                            <p:cond delay="0"/>
+                                          </p:stCondLst>
+                                        </p:cTn>
+                                        <p:tgtEl>
+                                          <p:spTgt spid="125"/>
+                                        </p:tgtEl>
+                                        <p:attrNameLst>
+                                          <p:attrName>style.visibility</p:attrName>
+                                        </p:attrNameLst>
+                                      </p:cBhvr>
+                                      <p:to>
+                                        <p:strVal val="visible"/>
+                                      </p:to>
+                                    </p:set>
+                                  </p:childTnLst>
+                                </p:cTn>
+                              </p:par>
+                              <p:par>
+                                <p:cTn id="111" presetID="1" presetClass="entr" presetSubtype="0" fill="hold" grpId="0" nodeType="withEffect">
+                                  <p:stCondLst>
+                                    <p:cond delay="0"/>
+                                  </p:stCondLst>
+                                  <p:childTnLst>
+                                    <p:set>
+                                      <p:cBhvr>
+                                        <p:cTn id="112" dur="1" fill="hold">
+                                          <p:stCondLst>
+                                            <p:cond delay="0"/>
+                                          </p:stCondLst>
+                                        </p:cTn>
+                                        <p:tgtEl>
+                                          <p:spTgt spid="108"/>
+                                        </p:tgtEl>
+                                        <p:attrNameLst>
+                                          <p:attrName>style.visibility</p:attrName>
+                                        </p:attrNameLst>
+                                      </p:cBhvr>
+                                      <p:to>
+                                        <p:strVal val="visible"/>
+                                      </p:to>
+                                    </p:set>
+                                  </p:childTnLst>
+                                </p:cTn>
+                              </p:par>
+                            </p:childTnLst>
+                          </p:cTn>
+                        </p:par>
+                      </p:childTnLst>
+                    </p:cTn>
+                  </p:par>
+                  <p:par>
+                    <p:cTn id="113" fill="hold">
+                      <p:stCondLst>
+                        <p:cond delay="indefinite"/>
+                      </p:stCondLst>
+                      <p:childTnLst>
+                        <p:par>
+                          <p:cTn id="114" fill="hold">
+                            <p:stCondLst>
+                              <p:cond delay="0"/>
+                            </p:stCondLst>
+                            <p:childTnLst>
+                              <p:par>
+                                <p:cTn id="115" presetID="1" presetClass="entr" presetSubtype="0" fill="hold" grpId="0" nodeType="clickEffect">
+                                  <p:stCondLst>
+                                    <p:cond delay="0"/>
+                                  </p:stCondLst>
+                                  <p:childTnLst>
+                                    <p:set>
+                                      <p:cBhvr>
+                                        <p:cTn id="116" dur="1" fill="hold">
+                                          <p:stCondLst>
+                                            <p:cond delay="0"/>
+                                          </p:stCondLst>
+                                        </p:cTn>
+                                        <p:tgtEl>
+                                          <p:spTgt spid="139"/>
+                                        </p:tgtEl>
+                                        <p:attrNameLst>
+                                          <p:attrName>style.visibility</p:attrName>
+                                        </p:attrNameLst>
+                                      </p:cBhvr>
+                                      <p:to>
+                                        <p:strVal val="visible"/>
+                                      </p:to>
+                                    </p:set>
+                                  </p:childTnLst>
+                                </p:cTn>
+                              </p:par>
+                              <p:par>
+                                <p:cTn id="117" presetID="1" presetClass="entr" presetSubtype="0" fill="hold" nodeType="withEffect">
+                                  <p:stCondLst>
+                                    <p:cond delay="0"/>
+                                  </p:stCondLst>
+                                  <p:childTnLst>
+                                    <p:set>
+                                      <p:cBhvr>
+                                        <p:cTn id="118" dur="1" fill="hold">
+                                          <p:stCondLst>
+                                            <p:cond delay="0"/>
+                                          </p:stCondLst>
+                                        </p:cTn>
+                                        <p:tgtEl>
+                                          <p:spTgt spid="361"/>
+                                        </p:tgtEl>
+                                        <p:attrNameLst>
+                                          <p:attrName>style.visibility</p:attrName>
+                                        </p:attrNameLst>
+                                      </p:cBhvr>
+                                      <p:to>
+                                        <p:strVal val="visible"/>
+                                      </p:to>
+                                    </p:set>
+                                  </p:childTnLst>
+                                </p:cTn>
+                              </p:par>
+                              <p:par>
+                                <p:cTn id="119" presetID="1" presetClass="entr" presetSubtype="0" fill="hold" grpId="0" nodeType="withEffect">
+                                  <p:stCondLst>
+                                    <p:cond delay="0"/>
+                                  </p:stCondLst>
+                                  <p:childTnLst>
+                                    <p:set>
+                                      <p:cBhvr>
+                                        <p:cTn id="120" dur="1" fill="hold">
+                                          <p:stCondLst>
+                                            <p:cond delay="0"/>
+                                          </p:stCondLst>
+                                        </p:cTn>
+                                        <p:tgtEl>
+                                          <p:spTgt spid="140"/>
+                                        </p:tgtEl>
+                                        <p:attrNameLst>
+                                          <p:attrName>style.visibility</p:attrName>
+                                        </p:attrNameLst>
+                                      </p:cBhvr>
+                                      <p:to>
+                                        <p:strVal val="visible"/>
+                                      </p:to>
+                                    </p:set>
+                                  </p:childTnLst>
+                                </p:cTn>
+                              </p:par>
+                              <p:par>
+                                <p:cTn id="121" presetID="1" presetClass="entr" presetSubtype="0" fill="hold" nodeType="withEffect">
+                                  <p:stCondLst>
+                                    <p:cond delay="0"/>
+                                  </p:stCondLst>
+                                  <p:childTnLst>
+                                    <p:set>
+                                      <p:cBhvr>
+                                        <p:cTn id="122" dur="1" fill="hold">
+                                          <p:stCondLst>
+                                            <p:cond delay="0"/>
+                                          </p:stCondLst>
+                                        </p:cTn>
+                                        <p:tgtEl>
+                                          <p:spTgt spid="141"/>
+                                        </p:tgtEl>
+                                        <p:attrNameLst>
+                                          <p:attrName>style.visibility</p:attrName>
+                                        </p:attrNameLst>
+                                      </p:cBhvr>
+                                      <p:to>
+                                        <p:strVal val="visible"/>
+                                      </p:to>
+                                    </p:set>
+                                  </p:childTnLst>
+                                </p:cTn>
+                              </p:par>
+                              <p:par>
+                                <p:cTn id="123" presetID="1" presetClass="entr" presetSubtype="0" fill="hold" nodeType="withEffect">
+                                  <p:stCondLst>
+                                    <p:cond delay="0"/>
+                                  </p:stCondLst>
+                                  <p:childTnLst>
+                                    <p:set>
+                                      <p:cBhvr>
+                                        <p:cTn id="124" dur="1" fill="hold">
+                                          <p:stCondLst>
+                                            <p:cond delay="0"/>
+                                          </p:stCondLst>
+                                        </p:cTn>
+                                        <p:tgtEl>
+                                          <p:spTgt spid="143"/>
+                                        </p:tgtEl>
+                                        <p:attrNameLst>
+                                          <p:attrName>style.visibility</p:attrName>
+                                        </p:attrNameLst>
+                                      </p:cBhvr>
+                                      <p:to>
+                                        <p:strVal val="visible"/>
+                                      </p:to>
+                                    </p:set>
+                                  </p:childTnLst>
+                                </p:cTn>
+                              </p:par>
+                              <p:par>
+                                <p:cTn id="125" presetID="1" presetClass="entr" presetSubtype="0" fill="hold" nodeType="withEffect">
+                                  <p:stCondLst>
+                                    <p:cond delay="0"/>
+                                  </p:stCondLst>
+                                  <p:childTnLst>
+                                    <p:set>
+                                      <p:cBhvr>
+                                        <p:cTn id="126" dur="1" fill="hold">
+                                          <p:stCondLst>
+                                            <p:cond delay="0"/>
+                                          </p:stCondLst>
+                                        </p:cTn>
+                                        <p:tgtEl>
+                                          <p:spTgt spid="364"/>
+                                        </p:tgtEl>
+                                        <p:attrNameLst>
+                                          <p:attrName>style.visibility</p:attrName>
+                                        </p:attrNameLst>
+                                      </p:cBhvr>
+                                      <p:to>
+                                        <p:strVal val="visible"/>
+                                      </p:to>
+                                    </p:set>
+                                  </p:childTnLst>
+                                </p:cTn>
+                              </p:par>
+                              <p:par>
+                                <p:cTn id="127" presetID="1" presetClass="entr" presetSubtype="0" fill="hold" nodeType="withEffect">
+                                  <p:stCondLst>
+                                    <p:cond delay="0"/>
+                                  </p:stCondLst>
+                                  <p:childTnLst>
+                                    <p:set>
+                                      <p:cBhvr>
+                                        <p:cTn id="128" dur="1" fill="hold">
+                                          <p:stCondLst>
+                                            <p:cond delay="0"/>
+                                          </p:stCondLst>
+                                        </p:cTn>
+                                        <p:tgtEl>
+                                          <p:spTgt spid="142"/>
+                                        </p:tgtEl>
+                                        <p:attrNameLst>
+                                          <p:attrName>style.visibility</p:attrName>
+                                        </p:attrNameLst>
+                                      </p:cBhvr>
+                                      <p:to>
+                                        <p:strVal val="visible"/>
+                                      </p:to>
+                                    </p:set>
+                                  </p:childTnLst>
+                                </p:cTn>
+                              </p:par>
+                              <p:par>
+                                <p:cTn id="129" presetID="1" presetClass="entr" presetSubtype="0" fill="hold" grpId="0" nodeType="withEffect">
+                                  <p:stCondLst>
+                                    <p:cond delay="0"/>
+                                  </p:stCondLst>
+                                  <p:childTnLst>
+                                    <p:set>
+                                      <p:cBhvr>
+                                        <p:cTn id="130" dur="1" fill="hold">
+                                          <p:stCondLst>
+                                            <p:cond delay="0"/>
+                                          </p:stCondLst>
+                                        </p:cTn>
+                                        <p:tgtEl>
+                                          <p:spTgt spid="121"/>
+                                        </p:tgtEl>
+                                        <p:attrNameLst>
+                                          <p:attrName>style.visibility</p:attrName>
+                                        </p:attrNameLst>
+                                      </p:cBhvr>
+                                      <p:to>
+                                        <p:strVal val="visible"/>
+                                      </p:to>
+                                    </p:set>
+                                  </p:childTnLst>
+                                </p:cTn>
+                              </p:par>
+                            </p:childTnLst>
+                          </p:cTn>
+                        </p:par>
+                      </p:childTnLst>
+                    </p:cTn>
+                  </p:par>
+                  <p:par>
+                    <p:cTn id="131" fill="hold">
+                      <p:stCondLst>
+                        <p:cond delay="indefinite"/>
+                      </p:stCondLst>
+                      <p:childTnLst>
+                        <p:par>
+                          <p:cTn id="132" fill="hold">
+                            <p:stCondLst>
+                              <p:cond delay="0"/>
+                            </p:stCondLst>
+                            <p:childTnLst>
+                              <p:par>
+                                <p:cTn id="133" presetID="1" presetClass="entr" presetSubtype="0" fill="hold" grpId="0" nodeType="clickEffect">
+                                  <p:stCondLst>
+                                    <p:cond delay="0"/>
+                                  </p:stCondLst>
+                                  <p:childTnLst>
+                                    <p:set>
+                                      <p:cBhvr>
+                                        <p:cTn id="134" dur="1" fill="hold">
+                                          <p:stCondLst>
+                                            <p:cond delay="0"/>
+                                          </p:stCondLst>
+                                        </p:cTn>
+                                        <p:tgtEl>
+                                          <p:spTgt spid="164"/>
+                                        </p:tgtEl>
+                                        <p:attrNameLst>
+                                          <p:attrName>style.visibility</p:attrName>
+                                        </p:attrNameLst>
+                                      </p:cBhvr>
+                                      <p:to>
+                                        <p:strVal val="visible"/>
+                                      </p:to>
+                                    </p:set>
+                                  </p:childTnLst>
+                                </p:cTn>
+                              </p:par>
+                              <p:par>
+                                <p:cTn id="135" presetID="1" presetClass="entr" presetSubtype="0" fill="hold" nodeType="withEffect">
+                                  <p:stCondLst>
+                                    <p:cond delay="0"/>
+                                  </p:stCondLst>
+                                  <p:childTnLst>
+                                    <p:set>
+                                      <p:cBhvr>
+                                        <p:cTn id="136" dur="1" fill="hold">
+                                          <p:stCondLst>
+                                            <p:cond delay="0"/>
+                                          </p:stCondLst>
+                                        </p:cTn>
+                                        <p:tgtEl>
+                                          <p:spTgt spid="161"/>
+                                        </p:tgtEl>
+                                        <p:attrNameLst>
+                                          <p:attrName>style.visibility</p:attrName>
+                                        </p:attrNameLst>
+                                      </p:cBhvr>
+                                      <p:to>
+                                        <p:strVal val="visible"/>
+                                      </p:to>
+                                    </p:set>
+                                  </p:childTnLst>
+                                </p:cTn>
+                              </p:par>
+                              <p:par>
+                                <p:cTn id="137" presetID="1" presetClass="entr" presetSubtype="0" fill="hold" grpId="0" nodeType="withEffect">
+                                  <p:stCondLst>
+                                    <p:cond delay="0"/>
+                                  </p:stCondLst>
+                                  <p:childTnLst>
+                                    <p:set>
+                                      <p:cBhvr>
+                                        <p:cTn id="138" dur="1" fill="hold">
+                                          <p:stCondLst>
+                                            <p:cond delay="0"/>
+                                          </p:stCondLst>
+                                        </p:cTn>
+                                        <p:tgtEl>
+                                          <p:spTgt spid="163"/>
+                                        </p:tgtEl>
+                                        <p:attrNameLst>
+                                          <p:attrName>style.visibility</p:attrName>
+                                        </p:attrNameLst>
+                                      </p:cBhvr>
+                                      <p:to>
+                                        <p:strVal val="visible"/>
+                                      </p:to>
+                                    </p:set>
+                                  </p:childTnLst>
+                                </p:cTn>
+                              </p:par>
+                              <p:par>
+                                <p:cTn id="139" presetID="1" presetClass="entr" presetSubtype="0" fill="hold" nodeType="withEffect">
+                                  <p:stCondLst>
+                                    <p:cond delay="0"/>
+                                  </p:stCondLst>
+                                  <p:childTnLst>
+                                    <p:set>
+                                      <p:cBhvr>
+                                        <p:cTn id="140" dur="1" fill="hold">
+                                          <p:stCondLst>
+                                            <p:cond delay="0"/>
+                                          </p:stCondLst>
+                                        </p:cTn>
+                                        <p:tgtEl>
+                                          <p:spTgt spid="162"/>
+                                        </p:tgtEl>
+                                        <p:attrNameLst>
+                                          <p:attrName>style.visibility</p:attrName>
+                                        </p:attrNameLst>
+                                      </p:cBhvr>
+                                      <p:to>
+                                        <p:strVal val="visible"/>
+                                      </p:to>
+                                    </p:set>
+                                  </p:childTnLst>
+                                </p:cTn>
+                              </p:par>
+                              <p:par>
+                                <p:cTn id="141" presetID="1" presetClass="entr" presetSubtype="0" fill="hold" nodeType="withEffect">
+                                  <p:stCondLst>
+                                    <p:cond delay="0"/>
+                                  </p:stCondLst>
+                                  <p:childTnLst>
+                                    <p:set>
+                                      <p:cBhvr>
+                                        <p:cTn id="142" dur="1" fill="hold">
+                                          <p:stCondLst>
+                                            <p:cond delay="0"/>
+                                          </p:stCondLst>
+                                        </p:cTn>
+                                        <p:tgtEl>
+                                          <p:spTgt spid="160"/>
+                                        </p:tgtEl>
+                                        <p:attrNameLst>
+                                          <p:attrName>style.visibility</p:attrName>
+                                        </p:attrNameLst>
+                                      </p:cBhvr>
+                                      <p:to>
+                                        <p:strVal val="visible"/>
+                                      </p:to>
+                                    </p:set>
+                                  </p:childTnLst>
+                                </p:cTn>
+                              </p:par>
+                              <p:par>
+                                <p:cTn id="143" presetID="1" presetClass="entr" presetSubtype="0" fill="hold" grpId="0" nodeType="withEffect">
+                                  <p:stCondLst>
+                                    <p:cond delay="0"/>
+                                  </p:stCondLst>
+                                  <p:childTnLst>
+                                    <p:set>
+                                      <p:cBhvr>
+                                        <p:cTn id="144" dur="1" fill="hold">
+                                          <p:stCondLst>
+                                            <p:cond delay="0"/>
+                                          </p:stCondLst>
+                                        </p:cTn>
+                                        <p:tgtEl>
+                                          <p:spTgt spid="138"/>
+                                        </p:tgtEl>
+                                        <p:attrNameLst>
+                                          <p:attrName>style.visibility</p:attrName>
+                                        </p:attrNameLst>
+                                      </p:cBhvr>
+                                      <p:to>
+                                        <p:strVal val="visible"/>
+                                      </p:to>
+                                    </p:set>
+                                  </p:childTnLst>
+                                </p:cTn>
+                              </p:par>
+                            </p:childTnLst>
+                          </p:cTn>
+                        </p:par>
+                      </p:childTnLst>
+                    </p:cTn>
+                  </p:par>
+                  <p:par>
+                    <p:cTn id="145" fill="hold">
+                      <p:stCondLst>
+                        <p:cond delay="indefinite"/>
+                      </p:stCondLst>
+                      <p:childTnLst>
+                        <p:par>
+                          <p:cTn id="146" fill="hold">
+                            <p:stCondLst>
+                              <p:cond delay="0"/>
+                            </p:stCondLst>
+                            <p:childTnLst>
+                              <p:par>
+                                <p:cTn id="147" presetID="1" presetClass="entr" presetSubtype="0" fill="hold" grpId="0" nodeType="clickEffect">
+                                  <p:stCondLst>
+                                    <p:cond delay="0"/>
+                                  </p:stCondLst>
+                                  <p:childTnLst>
+                                    <p:set>
+                                      <p:cBhvr>
+                                        <p:cTn id="148" dur="1" fill="hold">
+                                          <p:stCondLst>
+                                            <p:cond delay="0"/>
+                                          </p:stCondLst>
+                                        </p:cTn>
+                                        <p:tgtEl>
+                                          <p:spTgt spid="399"/>
+                                        </p:tgtEl>
+                                        <p:attrNameLst>
+                                          <p:attrName>style.visibility</p:attrName>
+                                        </p:attrNameLst>
+                                      </p:cBhvr>
+                                      <p:to>
+                                        <p:strVal val="visible"/>
+                                      </p:to>
+                                    </p:set>
+                                  </p:childTnLst>
+                                </p:cTn>
+                              </p:par>
+                              <p:par>
+                                <p:cTn id="149" presetID="1" presetClass="entr" presetSubtype="0" fill="hold" grpId="0" nodeType="withEffect">
+                                  <p:stCondLst>
+                                    <p:cond delay="0"/>
+                                  </p:stCondLst>
+                                  <p:childTnLst>
+                                    <p:set>
+                                      <p:cBhvr>
+                                        <p:cTn id="150" dur="1" fill="hold">
+                                          <p:stCondLst>
+                                            <p:cond delay="0"/>
+                                          </p:stCondLst>
+                                        </p:cTn>
+                                        <p:tgtEl>
+                                          <p:spTgt spid="402"/>
+                                        </p:tgtEl>
+                                        <p:attrNameLst>
+                                          <p:attrName>style.visibility</p:attrName>
+                                        </p:attrNameLst>
+                                      </p:cBhvr>
+                                      <p:to>
+                                        <p:strVal val="visible"/>
+                                      </p:to>
+                                    </p:set>
+                                  </p:childTnLst>
+                                </p:cTn>
+                              </p:par>
+                              <p:par>
+                                <p:cTn id="151" presetID="1" presetClass="entr" presetSubtype="0" fill="hold" grpId="0" nodeType="withEffect">
+                                  <p:stCondLst>
+                                    <p:cond delay="0"/>
+                                  </p:stCondLst>
+                                  <p:childTnLst>
+                                    <p:set>
+                                      <p:cBhvr>
+                                        <p:cTn id="152" dur="1" fill="hold">
+                                          <p:stCondLst>
+                                            <p:cond delay="0"/>
+                                          </p:stCondLst>
+                                        </p:cTn>
+                                        <p:tgtEl>
+                                          <p:spTgt spid="403"/>
+                                        </p:tgtEl>
+                                        <p:attrNameLst>
+                                          <p:attrName>style.visibility</p:attrName>
+                                        </p:attrNameLst>
+                                      </p:cBhvr>
+                                      <p:to>
+                                        <p:strVal val="visible"/>
+                                      </p:to>
+                                    </p:set>
+                                  </p:childTnLst>
+                                </p:cTn>
+                              </p:par>
+                              <p:par>
+                                <p:cTn id="153" presetID="1" presetClass="entr" presetSubtype="0" fill="hold" nodeType="withEffect">
+                                  <p:stCondLst>
+                                    <p:cond delay="0"/>
+                                  </p:stCondLst>
+                                  <p:childTnLst>
+                                    <p:set>
+                                      <p:cBhvr>
+                                        <p:cTn id="154" dur="1" fill="hold">
+                                          <p:stCondLst>
+                                            <p:cond delay="0"/>
+                                          </p:stCondLst>
+                                        </p:cTn>
+                                        <p:tgtEl>
+                                          <p:spTgt spid="365"/>
+                                        </p:tgtEl>
+                                        <p:attrNameLst>
+                                          <p:attrName>style.visibility</p:attrName>
+                                        </p:attrNameLst>
+                                      </p:cBhvr>
+                                      <p:to>
+                                        <p:strVal val="visible"/>
+                                      </p:to>
+                                    </p:set>
+                                  </p:childTnLst>
+                                </p:cTn>
+                              </p:par>
+                              <p:par>
+                                <p:cTn id="155" presetID="1" presetClass="entr" presetSubtype="0" fill="hold" nodeType="withEffect">
+                                  <p:stCondLst>
+                                    <p:cond delay="0"/>
+                                  </p:stCondLst>
+                                  <p:childTnLst>
+                                    <p:set>
+                                      <p:cBhvr>
+                                        <p:cTn id="156" dur="1" fill="hold">
+                                          <p:stCondLst>
+                                            <p:cond delay="0"/>
+                                          </p:stCondLst>
+                                        </p:cTn>
+                                        <p:tgtEl>
+                                          <p:spTgt spid="404"/>
+                                        </p:tgtEl>
+                                        <p:attrNameLst>
+                                          <p:attrName>style.visibility</p:attrName>
+                                        </p:attrNameLst>
+                                      </p:cBhvr>
+                                      <p:to>
+                                        <p:strVal val="visible"/>
+                                      </p:to>
+                                    </p:set>
+                                  </p:childTnLst>
+                                </p:cTn>
+                              </p:par>
+                              <p:par>
+                                <p:cTn id="157" presetID="1" presetClass="entr" presetSubtype="0" fill="hold" grpId="0" nodeType="withEffect">
+                                  <p:stCondLst>
+                                    <p:cond delay="0"/>
+                                  </p:stCondLst>
+                                  <p:childTnLst>
+                                    <p:set>
+                                      <p:cBhvr>
+                                        <p:cTn id="158" dur="1" fill="hold">
+                                          <p:stCondLst>
+                                            <p:cond delay="0"/>
+                                          </p:stCondLst>
+                                        </p:cTn>
+                                        <p:tgtEl>
+                                          <p:spTgt spid="412"/>
+                                        </p:tgtEl>
+                                        <p:attrNameLst>
+                                          <p:attrName>style.visibility</p:attrName>
+                                        </p:attrNameLst>
+                                      </p:cBhvr>
+                                      <p:to>
+                                        <p:strVal val="visible"/>
+                                      </p:to>
+                                    </p:set>
+                                  </p:childTnLst>
+                                </p:cTn>
+                              </p:par>
+                              <p:par>
+                                <p:cTn id="159" presetID="1" presetClass="entr" presetSubtype="0" fill="hold" grpId="0" nodeType="withEffect">
+                                  <p:stCondLst>
+                                    <p:cond delay="0"/>
+                                  </p:stCondLst>
+                                  <p:childTnLst>
+                                    <p:set>
+                                      <p:cBhvr>
+                                        <p:cTn id="160" dur="1" fill="hold">
+                                          <p:stCondLst>
+                                            <p:cond delay="0"/>
+                                          </p:stCondLst>
+                                        </p:cTn>
+                                        <p:tgtEl>
+                                          <p:spTgt spid="159"/>
+                                        </p:tgtEl>
+                                        <p:attrNameLst>
+                                          <p:attrName>style.visibility</p:attrName>
+                                        </p:attrNameLst>
+                                      </p:cBhvr>
+                                      <p:to>
+                                        <p:strVal val="visible"/>
+                                      </p:to>
+                                    </p:set>
+                                  </p:childTnLst>
+                                </p:cTn>
+                              </p:par>
+                            </p:childTnLst>
+                          </p:cTn>
+                        </p:par>
+                      </p:childTnLst>
+                    </p:cTn>
+                  </p:par>
+                </p:childTnLst>
+              </p:cTn>
+              <p:prevCondLst>
+                <p:cond evt="onPrev" delay="0">
+                  <p:tgtEl>
+                    <p:sldTgt/>
+                  </p:tgtEl>
+                </p:cond>
+              </p:prevCondLst>
+              <p:nextCondLst>
+                <p:cond evt="onNext" delay="0">
+                  <p:tgtEl>
+                    <p:sldTgt/>
+                  </p:tgtEl>
+                </p:cond>
+              </p:nextCondLst>
+            </p:seq>
+          </p:childTnLst>
+        </p:cTn>
       </p:par>
     </p:tnLst>
+    <p:bldLst>
+      <p:bldP spid="102" grpId="0" animBg="1"/>
+      <p:bldP spid="261" grpId="0" animBg="1"/>
+      <p:bldP spid="103" grpId="0" animBg="1"/>
+      <p:bldP spid="104" grpId="0" animBg="1"/>
+      <p:bldP spid="105" grpId="0" animBg="1"/>
+      <p:bldP spid="108" grpId="0" animBg="1"/>
+      <p:bldP spid="121" grpId="0" animBg="1"/>
+      <p:bldP spid="124" grpId="0"/>
+      <p:bldP spid="125" grpId="0"/>
+      <p:bldP spid="138" grpId="0" animBg="1"/>
+      <p:bldP spid="139" grpId="0"/>
+      <p:bldP spid="140" grpId="0"/>
+      <p:bldP spid="159" grpId="0" animBg="1"/>
+      <p:bldP spid="163" grpId="0"/>
+      <p:bldP spid="164" grpId="0"/>
+      <p:bldP spid="177" grpId="0" animBg="1"/>
+      <p:bldP spid="188" grpId="0" animBg="1"/>
+      <p:bldP spid="193" grpId="0"/>
+      <p:bldP spid="210" grpId="0" animBg="1"/>
+      <p:bldP spid="212" grpId="0"/>
+      <p:bldP spid="235" grpId="0" animBg="1"/>
+      <p:bldP spid="239" grpId="0"/>
+      <p:bldP spid="240" grpId="0" animBg="1"/>
+      <p:bldP spid="222" grpId="0" animBg="1"/>
+      <p:bldP spid="101" grpId="0" animBg="1"/>
+      <p:bldP spid="263" grpId="0"/>
+      <p:bldP spid="266" grpId="0" animBg="1"/>
+      <p:bldP spid="311" grpId="0" animBg="1"/>
+      <p:bldP spid="314" grpId="0" animBg="1"/>
+      <p:bldP spid="329" grpId="0"/>
+      <p:bldP spid="347" grpId="0"/>
+      <p:bldP spid="399" grpId="0" animBg="1"/>
+      <p:bldP spid="402" grpId="0" animBg="1"/>
+      <p:bldP spid="403" grpId="0" animBg="1"/>
+      <p:bldP spid="412" grpId="0"/>
+    </p:bldLst>
   </p:timing>
 </p:sld>
 </file>
@@ -9374,6 +11672,36 @@
           </a:prstGeom>
         </p:spPr>
       </p:pic>
+      <p:sp>
+        <p:nvSpPr>
+          <p:cNvPr id="2" name="Tekstvak 1"/>
+          <p:cNvSpPr txBox="1"/>
+          <p:nvPr/>
+        </p:nvSpPr>
+        <p:spPr>
+          <a:xfrm>
+            <a:off x="1001987" y="4576547"/>
+            <a:ext cx="7289320" cy="261610"/>
+          </a:xfrm>
+          <a:prstGeom prst="rect">
+            <a:avLst/>
+          </a:prstGeom>
+          <a:noFill/>
+        </p:spPr>
+        <p:txBody>
+          <a:bodyPr wrap="square" rtlCol="0">
+            <a:spAutoFit/>
+          </a:bodyPr>
+          <a:lstStyle/>
+          <a:p>
+            <a:r>
+              <a:rPr lang="nl-NL" sz="1050" i="1" dirty="0" smtClean="0"/>
+              <a:t>De in het DCF signaal van de testbench gecodeerde datum &amp; tijdstempel is in dit geval: maandag 08-12-2014, 11:48  </a:t>
+            </a:r>
+            <a:endParaRPr lang="nl-NL" sz="1050" i="1" dirty="0"/>
+          </a:p>
+        </p:txBody>
+      </p:sp>
     </p:spTree>
     <p:extLst>
       <p:ext uri="{BB962C8B-B14F-4D97-AF65-F5344CB8AC3E}">

--- a/Presentatie/Presentatie - DCF deel.pptx
+++ b/Presentatie/Presentatie - DCF deel.pptx
@@ -293,7 +293,7 @@
               <a:pPr>
                 <a:defRPr/>
               </a:pPr>
-              <a:t>1/17/2015</a:t>
+              <a:t>1/18/2015</a:t>
             </a:fld>
             <a:endParaRPr lang="en-US" altLang="nl-NL"/>
           </a:p>
@@ -4891,7 +4891,7 @@
         </p:blipFill>
         <p:spPr bwMode="auto">
           <a:xfrm>
-            <a:off x="4410973" y="1516063"/>
+            <a:off x="4570866" y="597289"/>
             <a:ext cx="3666227" cy="3759832"/>
           </a:xfrm>
           <a:prstGeom prst="rect">
@@ -5135,11 +5135,7 @@
             <a:pPr lvl="1"/>
             <a:r>
               <a:rPr lang="nl-NL" dirty="0" smtClean="0"/>
-              <a:t>Korte </a:t>
-            </a:r>
-            <a:r>
-              <a:rPr lang="nl-NL" dirty="0" smtClean="0"/>
-              <a:t>&amp; lange pulsen</a:t>
+              <a:t>Korte &amp; lange pulsen</a:t>
             </a:r>
           </a:p>
           <a:p>
@@ -5147,7 +5143,6 @@
               <a:rPr lang="nl-NL" dirty="0" smtClean="0"/>
               <a:t>Minuutmarkering</a:t>
             </a:r>
-            <a:endParaRPr lang="nl-NL" dirty="0" smtClean="0"/>
           </a:p>
           <a:p>
             <a:r>
@@ -5161,7 +5156,6 @@
               <a:rPr lang="nl-NL" dirty="0" smtClean="0"/>
               <a:t>Datum &amp; tijd</a:t>
             </a:r>
-            <a:endParaRPr lang="nl-NL" dirty="0" smtClean="0"/>
           </a:p>
           <a:p>
             <a:r>
@@ -5195,6 +5189,45 @@
           <a:xfrm>
             <a:off x="912813" y="4037163"/>
             <a:ext cx="3295808" cy="1742536"/>
+          </a:xfrm>
+          <a:prstGeom prst="rect">
+            <a:avLst/>
+          </a:prstGeom>
+          <a:noFill/>
+          <a:extLst>
+            <a:ext uri="{909E8E84-426E-40DD-AFC4-6F175D3DCCD1}">
+              <a14:hiddenFill xmlns:a14="http://schemas.microsoft.com/office/drawing/2010/main">
+                <a:solidFill>
+                  <a:srgbClr val="FFFFFF"/>
+                </a:solidFill>
+              </a14:hiddenFill>
+            </a:ext>
+          </a:extLst>
+        </p:spPr>
+      </p:pic>
+      <p:pic>
+        <p:nvPicPr>
+          <p:cNvPr id="2" name="Picture 2" descr="http://www.electronicsarea.com/images1/BCD_code_2.gif"/>
+          <p:cNvPicPr>
+            <a:picLocks noChangeAspect="1" noChangeArrowheads="1"/>
+          </p:cNvPicPr>
+          <p:nvPr/>
+        </p:nvPicPr>
+        <p:blipFill rotWithShape="1">
+          <a:blip r:embed="rId4">
+            <a:extLst>
+              <a:ext uri="{28A0092B-C50C-407E-A947-70E740481C1C}">
+                <a14:useLocalDpi xmlns:a14="http://schemas.microsoft.com/office/drawing/2010/main" val="0"/>
+              </a:ext>
+            </a:extLst>
+          </a:blip>
+          <a:srcRect t="2" b="17050"/>
+          <a:stretch/>
+        </p:blipFill>
+        <p:spPr bwMode="auto">
+          <a:xfrm>
+            <a:off x="5442516" y="4801232"/>
+            <a:ext cx="2253684" cy="831817"/>
           </a:xfrm>
           <a:prstGeom prst="rect">
             <a:avLst/>
@@ -10162,39 +10195,21 @@
                                   </p:childTnLst>
                                 </p:cTn>
                               </p:par>
-                            </p:childTnLst>
-                          </p:cTn>
-                        </p:par>
-                      </p:childTnLst>
-                    </p:cTn>
-                  </p:par>
-                  <p:par>
-                    <p:cTn id="67" fill="hold">
-                      <p:stCondLst>
-                        <p:cond delay="indefinite"/>
-                      </p:stCondLst>
-                      <p:childTnLst>
-                        <p:par>
-                          <p:cTn id="68" fill="hold">
-                            <p:stCondLst>
-                              <p:cond delay="0"/>
-                            </p:stCondLst>
-                            <p:childTnLst>
                               <p:par>
-                                <p:cTn id="69" presetID="1" presetClass="entr" presetSubtype="0" fill="hold" grpId="0" nodeType="clickEffect">
+                                <p:cTn id="67" presetID="1" presetClass="entr" presetSubtype="0" fill="hold" grpId="0" nodeType="withEffect">
                                   <p:stCondLst>
-                                    <p:cond delay="200"/>
+                                    <p:cond delay="0"/>
                                   </p:stCondLst>
                                   <p:childTnLst>
                                     <p:set>
                                       <p:cBhvr>
-                                        <p:cTn id="70" dur="1" fill="hold">
+                                        <p:cTn id="68" dur="1" fill="hold">
                                           <p:stCondLst>
                                             <p:cond delay="0"/>
                                           </p:stCondLst>
                                         </p:cTn>
                                         <p:tgtEl>
-                                          <p:spTgt spid="314"/>
+                                          <p:spTgt spid="240"/>
                                         </p:tgtEl>
                                         <p:attrNameLst>
                                           <p:attrName>style.visibility</p:attrName>
@@ -10208,20 +10223,20 @@
                                 </p:cTn>
                               </p:par>
                               <p:par>
-                                <p:cTn id="71" presetID="1" presetClass="entr" presetSubtype="0" fill="hold" nodeType="withEffect">
+                                <p:cTn id="69" presetID="1" presetClass="entr" presetSubtype="0" fill="hold" nodeType="withEffect">
                                   <p:stCondLst>
-                                    <p:cond delay="200"/>
+                                    <p:cond delay="0"/>
                                   </p:stCondLst>
                                   <p:childTnLst>
                                     <p:set>
                                       <p:cBhvr>
-                                        <p:cTn id="72" dur="1" fill="hold">
+                                        <p:cTn id="70" dur="1" fill="hold">
                                           <p:stCondLst>
                                             <p:cond delay="0"/>
                                           </p:stCondLst>
                                         </p:cTn>
                                         <p:tgtEl>
-                                          <p:spTgt spid="313"/>
+                                          <p:spTgt spid="237"/>
                                         </p:tgtEl>
                                         <p:attrNameLst>
                                           <p:attrName>style.visibility</p:attrName>
@@ -10235,20 +10250,20 @@
                                 </p:cTn>
                               </p:par>
                               <p:par>
-                                <p:cTn id="73" presetID="1" presetClass="entr" presetSubtype="0" fill="hold" grpId="0" nodeType="withEffect">
+                                <p:cTn id="71" presetID="1" presetClass="entr" presetSubtype="0" fill="hold" grpId="0" nodeType="withEffect">
                                   <p:stCondLst>
-                                    <p:cond delay="200"/>
+                                    <p:cond delay="0"/>
                                   </p:stCondLst>
                                   <p:childTnLst>
                                     <p:set>
                                       <p:cBhvr>
-                                        <p:cTn id="74" dur="1" fill="hold">
+                                        <p:cTn id="72" dur="1" fill="hold">
                                           <p:stCondLst>
                                             <p:cond delay="0"/>
                                           </p:stCondLst>
                                         </p:cTn>
                                         <p:tgtEl>
-                                          <p:spTgt spid="210"/>
+                                          <p:spTgt spid="239"/>
                                         </p:tgtEl>
                                         <p:attrNameLst>
                                           <p:attrName>style.visibility</p:attrName>
@@ -10261,8 +10276,26 @@
                                   </p:childTnLst>
                                 </p:cTn>
                               </p:par>
+                            </p:childTnLst>
+                          </p:cTn>
+                        </p:par>
+                      </p:childTnLst>
+                    </p:cTn>
+                  </p:par>
+                  <p:par>
+                    <p:cTn id="73" fill="hold">
+                      <p:stCondLst>
+                        <p:cond delay="indefinite"/>
+                      </p:stCondLst>
+                      <p:childTnLst>
+                        <p:par>
+                          <p:cTn id="74" fill="hold">
+                            <p:stCondLst>
+                              <p:cond delay="0"/>
+                            </p:stCondLst>
+                            <p:childTnLst>
                               <p:par>
-                                <p:cTn id="75" presetID="1" presetClass="entr" presetSubtype="0" fill="hold" grpId="0" nodeType="withEffect">
+                                <p:cTn id="75" presetID="1" presetClass="entr" presetSubtype="0" fill="hold" grpId="0" nodeType="clickEffect">
                                   <p:stCondLst>
                                     <p:cond delay="0"/>
                                   </p:stCondLst>
@@ -10275,7 +10308,7 @@
                                           </p:stCondLst>
                                         </p:cTn>
                                         <p:tgtEl>
-                                          <p:spTgt spid="240"/>
+                                          <p:spTgt spid="314"/>
                                         </p:tgtEl>
                                         <p:attrNameLst>
                                           <p:attrName>style.visibility</p:attrName>
@@ -10302,7 +10335,7 @@
                                           </p:stCondLst>
                                         </p:cTn>
                                         <p:tgtEl>
-                                          <p:spTgt spid="237"/>
+                                          <p:spTgt spid="313"/>
                                         </p:tgtEl>
                                         <p:attrNameLst>
                                           <p:attrName>style.visibility</p:attrName>
@@ -10329,7 +10362,7 @@
                                           </p:stCondLst>
                                         </p:cTn>
                                         <p:tgtEl>
-                                          <p:spTgt spid="239"/>
+                                          <p:spTgt spid="210"/>
                                         </p:tgtEl>
                                         <p:attrNameLst>
                                           <p:attrName>style.visibility</p:attrName>
